--- a/TON VINH CHUA HANG HUU/TVCHH 019 - Con Chỉ Mong Tôn Cao Danh Ngài.pptx
+++ b/TON VINH CHUA HANG HUU/TVCHH 019 - Con Chỉ Mong Tôn Cao Danh Ngài.pptx
@@ -110,6 +110,11 @@
       </a:defRPr>
     </a:lvl9pPr>
   </p:defaultTextStyle>
+  <p:extLst>
+    <p:ext uri="{EFAFB233-063F-42B5-8137-9DF3F51BA10A}">
+      <p15:sldGuideLst xmlns:p15="http://schemas.microsoft.com/office/powerpoint/2012/main"/>
+    </p:ext>
+  </p:extLst>
 </p:presentation>
 </file>
 
@@ -155,10 +160,9 @@
           </a:lstStyle>
           <a:p>
             <a:r>
-              <a:rPr lang="en-US" smtClean="0"/>
+              <a:rPr lang="en-US"/>
               <a:t>Click to edit Master title style</a:t>
             </a:r>
-            <a:endParaRPr lang="en-US"/>
           </a:p>
         </p:txBody>
       </p:sp>
@@ -220,10 +224,9 @@
           </a:lstStyle>
           <a:p>
             <a:r>
-              <a:rPr lang="en-US" smtClean="0"/>
+              <a:rPr lang="en-US"/>
               <a:t>Click to edit Master subtitle style</a:t>
             </a:r>
-            <a:endParaRPr lang="en-US"/>
           </a:p>
         </p:txBody>
       </p:sp>
@@ -251,7 +254,7 @@
                 </a:solidFill>
               </a:rPr>
               <a:pPr/>
-              <a:t>3/25/2013</a:t>
+              <a:t>7/28/19</a:t>
             </a:fld>
             <a:endParaRPr lang="en-US">
               <a:solidFill>
@@ -379,10 +382,9 @@
           </a:lstStyle>
           <a:p>
             <a:r>
-              <a:rPr lang="en-US" smtClean="0"/>
+              <a:rPr lang="en-US"/>
               <a:t>Click to edit Master title style</a:t>
             </a:r>
-            <a:endParaRPr lang="en-US"/>
           </a:p>
         </p:txBody>
       </p:sp>
@@ -444,10 +446,9 @@
           </a:lstStyle>
           <a:p>
             <a:r>
-              <a:rPr lang="en-US" smtClean="0"/>
+              <a:rPr lang="en-US"/>
               <a:t>Click to edit Master subtitle style</a:t>
             </a:r>
-            <a:endParaRPr lang="en-US"/>
           </a:p>
         </p:txBody>
       </p:sp>
@@ -475,7 +476,7 @@
                 </a:solidFill>
               </a:rPr>
               <a:pPr/>
-              <a:t>3/25/2013</a:t>
+              <a:t>7/28/19</a:t>
             </a:fld>
             <a:endParaRPr lang="en-US">
               <a:solidFill>
@@ -618,10 +619,9 @@
           <a:lstStyle/>
           <a:p>
             <a:r>
-              <a:rPr lang="en-US" smtClean="0"/>
+              <a:rPr lang="en-US"/>
               <a:t>Click to edit Master title style</a:t>
             </a:r>
-            <a:endParaRPr lang="en-US"/>
           </a:p>
         </p:txBody>
       </p:sp>
@@ -652,38 +652,37 @@
           <a:p>
             <a:pPr lvl="0"/>
             <a:r>
-              <a:rPr lang="en-US" smtClean="0"/>
+              <a:rPr lang="en-US"/>
               <a:t>Click to edit Master text styles</a:t>
             </a:r>
           </a:p>
           <a:p>
             <a:pPr lvl="1"/>
             <a:r>
-              <a:rPr lang="en-US" smtClean="0"/>
+              <a:rPr lang="en-US"/>
               <a:t>Second level</a:t>
             </a:r>
           </a:p>
           <a:p>
             <a:pPr lvl="2"/>
             <a:r>
-              <a:rPr lang="en-US" smtClean="0"/>
+              <a:rPr lang="en-US"/>
               <a:t>Third level</a:t>
             </a:r>
           </a:p>
           <a:p>
             <a:pPr lvl="3"/>
             <a:r>
-              <a:rPr lang="en-US" smtClean="0"/>
+              <a:rPr lang="en-US"/>
               <a:t>Fourth level</a:t>
             </a:r>
           </a:p>
           <a:p>
             <a:pPr lvl="4"/>
             <a:r>
-              <a:rPr lang="en-US" smtClean="0"/>
+              <a:rPr lang="en-US"/>
               <a:t>Fifth level</a:t>
             </a:r>
-            <a:endParaRPr lang="en-US"/>
           </a:p>
         </p:txBody>
       </p:sp>
@@ -729,7 +728,7 @@
                 </a:solidFill>
               </a:rPr>
               <a:pPr/>
-              <a:t>3/25/2013</a:t>
+              <a:t>7/28/19</a:t>
             </a:fld>
             <a:endParaRPr lang="en-US">
               <a:solidFill>
@@ -1189,10 +1188,9 @@
           <a:lstStyle/>
           <a:p>
             <a:r>
-              <a:rPr lang="en-US" smtClean="0"/>
+              <a:rPr lang="en-US"/>
               <a:t>Click to edit Master title style</a:t>
             </a:r>
-            <a:endParaRPr lang="en-US"/>
           </a:p>
         </p:txBody>
       </p:sp>
@@ -1223,38 +1221,37 @@
           <a:p>
             <a:pPr lvl="0"/>
             <a:r>
-              <a:rPr lang="en-US" smtClean="0"/>
+              <a:rPr lang="en-US"/>
               <a:t>Click to edit Master text styles</a:t>
             </a:r>
           </a:p>
           <a:p>
             <a:pPr lvl="1"/>
             <a:r>
-              <a:rPr lang="en-US" smtClean="0"/>
+              <a:rPr lang="en-US"/>
               <a:t>Second level</a:t>
             </a:r>
           </a:p>
           <a:p>
             <a:pPr lvl="2"/>
             <a:r>
-              <a:rPr lang="en-US" smtClean="0"/>
+              <a:rPr lang="en-US"/>
               <a:t>Third level</a:t>
             </a:r>
           </a:p>
           <a:p>
             <a:pPr lvl="3"/>
             <a:r>
-              <a:rPr lang="en-US" smtClean="0"/>
+              <a:rPr lang="en-US"/>
               <a:t>Fourth level</a:t>
             </a:r>
           </a:p>
           <a:p>
             <a:pPr lvl="4"/>
             <a:r>
-              <a:rPr lang="en-US" smtClean="0"/>
+              <a:rPr lang="en-US"/>
               <a:t>Fifth level</a:t>
             </a:r>
-            <a:endParaRPr lang="en-US"/>
           </a:p>
         </p:txBody>
       </p:sp>
@@ -1300,7 +1297,7 @@
                 </a:solidFill>
               </a:rPr>
               <a:pPr/>
-              <a:t>3/25/2013</a:t>
+              <a:t>7/28/19</a:t>
             </a:fld>
             <a:endParaRPr lang="en-US">
               <a:solidFill>
@@ -1783,71 +1780,268 @@
           <a:p>
             <a:pPr algn="ctr"/>
             <a:r>
-              <a:rPr lang="en-US" sz="6600" b="1" smtClean="0">
-                <a:ln w="11430"/>
-                <a:solidFill>
-                  <a:srgbClr val="FFFF00"/>
-                </a:solidFill>
-                <a:effectLst>
-                  <a:glow rad="127000">
-                    <a:prstClr val="black"/>
-                  </a:glow>
-                  <a:outerShdw blurRad="50800" dist="39000" dir="5460000" algn="tl">
-                    <a:srgbClr val="000000">
-                      <a:alpha val="38000"/>
-                    </a:srgbClr>
-                  </a:outerShdw>
-                </a:effectLst>
-                <a:latin typeface="HP-Bank" panose="020B0603050302020204" pitchFamily="34" charset="0"/>
-              </a:rPr>
-              <a:t>Con chæ mong </a:t>
+              <a:rPr lang="en-US" sz="6600" b="1" dirty="0">
+                <a:ln w="11430"/>
+                <a:solidFill>
+                  <a:srgbClr val="FFFF00"/>
+                </a:solidFill>
+                <a:effectLst>
+                  <a:glow rad="127000">
+                    <a:prstClr val="black"/>
+                  </a:glow>
+                  <a:outerShdw blurRad="50800" dist="39000" dir="5460000" algn="tl">
+                    <a:srgbClr val="000000">
+                      <a:alpha val="38000"/>
+                    </a:srgbClr>
+                  </a:outerShdw>
+                </a:effectLst>
+                <a:latin typeface="VNI-Times" pitchFamily="2" charset="0"/>
+              </a:rPr>
+              <a:t>Con </a:t>
+            </a:r>
+            <a:r>
+              <a:rPr lang="en-US" sz="6600" b="1" dirty="0" err="1">
+                <a:ln w="11430"/>
+                <a:solidFill>
+                  <a:srgbClr val="FFFF00"/>
+                </a:solidFill>
+                <a:effectLst>
+                  <a:glow rad="127000">
+                    <a:prstClr val="black"/>
+                  </a:glow>
+                  <a:outerShdw blurRad="50800" dist="39000" dir="5460000" algn="tl">
+                    <a:srgbClr val="000000">
+                      <a:alpha val="38000"/>
+                    </a:srgbClr>
+                  </a:outerShdw>
+                </a:effectLst>
+                <a:latin typeface="VNI-Times" pitchFamily="2" charset="0"/>
+              </a:rPr>
+              <a:t>chæ</a:t>
+            </a:r>
+            <a:r>
+              <a:rPr lang="en-US" sz="6600" b="1" dirty="0">
+                <a:ln w="11430"/>
+                <a:solidFill>
+                  <a:srgbClr val="FFFF00"/>
+                </a:solidFill>
+                <a:effectLst>
+                  <a:glow rad="127000">
+                    <a:prstClr val="black"/>
+                  </a:glow>
+                  <a:outerShdw blurRad="50800" dist="39000" dir="5460000" algn="tl">
+                    <a:srgbClr val="000000">
+                      <a:alpha val="38000"/>
+                    </a:srgbClr>
+                  </a:outerShdw>
+                </a:effectLst>
+                <a:latin typeface="VNI-Times" pitchFamily="2" charset="0"/>
+              </a:rPr>
+              <a:t> </a:t>
+            </a:r>
+            <a:r>
+              <a:rPr lang="en-US" sz="6600" b="1" dirty="0" err="1">
+                <a:ln w="11430"/>
+                <a:solidFill>
+                  <a:srgbClr val="FFFF00"/>
+                </a:solidFill>
+                <a:effectLst>
+                  <a:glow rad="127000">
+                    <a:prstClr val="black"/>
+                  </a:glow>
+                  <a:outerShdw blurRad="50800" dist="39000" dir="5460000" algn="tl">
+                    <a:srgbClr val="000000">
+                      <a:alpha val="38000"/>
+                    </a:srgbClr>
+                  </a:outerShdw>
+                </a:effectLst>
+                <a:latin typeface="VNI-Times" pitchFamily="2" charset="0"/>
+              </a:rPr>
+              <a:t>mong</a:t>
+            </a:r>
+            <a:r>
+              <a:rPr lang="en-US" sz="6600" b="1" dirty="0">
+                <a:ln w="11430"/>
+                <a:solidFill>
+                  <a:srgbClr val="FFFF00"/>
+                </a:solidFill>
+                <a:effectLst>
+                  <a:glow rad="127000">
+                    <a:prstClr val="black"/>
+                  </a:glow>
+                  <a:outerShdw blurRad="50800" dist="39000" dir="5460000" algn="tl">
+                    <a:srgbClr val="000000">
+                      <a:alpha val="38000"/>
+                    </a:srgbClr>
+                  </a:outerShdw>
+                </a:effectLst>
+                <a:latin typeface="VNI-Times" pitchFamily="2" charset="0"/>
+              </a:rPr>
+              <a:t> </a:t>
             </a:r>
           </a:p>
           <a:p>
             <a:pPr algn="ctr"/>
             <a:r>
-              <a:rPr lang="en-US" sz="6600" b="1" smtClean="0">
-                <a:ln w="11430"/>
-                <a:solidFill>
-                  <a:srgbClr val="FFFF00"/>
-                </a:solidFill>
-                <a:effectLst>
-                  <a:glow rad="127000">
-                    <a:prstClr val="black"/>
-                  </a:glow>
-                  <a:outerShdw blurRad="50800" dist="39000" dir="5460000" algn="tl">
-                    <a:srgbClr val="000000">
-                      <a:alpha val="38000"/>
-                    </a:srgbClr>
-                  </a:outerShdw>
-                </a:effectLst>
-                <a:latin typeface="HP-Bank" panose="020B0603050302020204" pitchFamily="34" charset="0"/>
-              </a:rPr>
-              <a:t>toân cao </a:t>
+              <a:rPr lang="en-US" sz="6600" b="1" dirty="0" err="1">
+                <a:ln w="11430"/>
+                <a:solidFill>
+                  <a:srgbClr val="FFFF00"/>
+                </a:solidFill>
+                <a:effectLst>
+                  <a:glow rad="127000">
+                    <a:prstClr val="black"/>
+                  </a:glow>
+                  <a:outerShdw blurRad="50800" dist="39000" dir="5460000" algn="tl">
+                    <a:srgbClr val="000000">
+                      <a:alpha val="38000"/>
+                    </a:srgbClr>
+                  </a:outerShdw>
+                </a:effectLst>
+                <a:latin typeface="VNI-Times" pitchFamily="2" charset="0"/>
+              </a:rPr>
+              <a:t>toân</a:t>
+            </a:r>
+            <a:r>
+              <a:rPr lang="en-US" sz="6600" b="1" dirty="0">
+                <a:ln w="11430"/>
+                <a:solidFill>
+                  <a:srgbClr val="FFFF00"/>
+                </a:solidFill>
+                <a:effectLst>
+                  <a:glow rad="127000">
+                    <a:prstClr val="black"/>
+                  </a:glow>
+                  <a:outerShdw blurRad="50800" dist="39000" dir="5460000" algn="tl">
+                    <a:srgbClr val="000000">
+                      <a:alpha val="38000"/>
+                    </a:srgbClr>
+                  </a:outerShdw>
+                </a:effectLst>
+                <a:latin typeface="VNI-Times" pitchFamily="2" charset="0"/>
+              </a:rPr>
+              <a:t> </a:t>
+            </a:r>
+            <a:r>
+              <a:rPr lang="en-US" sz="6600" b="1" dirty="0" err="1">
+                <a:ln w="11430"/>
+                <a:solidFill>
+                  <a:srgbClr val="FFFF00"/>
+                </a:solidFill>
+                <a:effectLst>
+                  <a:glow rad="127000">
+                    <a:prstClr val="black"/>
+                  </a:glow>
+                  <a:outerShdw blurRad="50800" dist="39000" dir="5460000" algn="tl">
+                    <a:srgbClr val="000000">
+                      <a:alpha val="38000"/>
+                    </a:srgbClr>
+                  </a:outerShdw>
+                </a:effectLst>
+                <a:latin typeface="VNI-Times" pitchFamily="2" charset="0"/>
+              </a:rPr>
+              <a:t>cao</a:t>
+            </a:r>
+            <a:r>
+              <a:rPr lang="en-US" sz="6600" b="1" dirty="0">
+                <a:ln w="11430"/>
+                <a:solidFill>
+                  <a:srgbClr val="FFFF00"/>
+                </a:solidFill>
+                <a:effectLst>
+                  <a:glow rad="127000">
+                    <a:prstClr val="black"/>
+                  </a:glow>
+                  <a:outerShdw blurRad="50800" dist="39000" dir="5460000" algn="tl">
+                    <a:srgbClr val="000000">
+                      <a:alpha val="38000"/>
+                    </a:srgbClr>
+                  </a:outerShdw>
+                </a:effectLst>
+                <a:latin typeface="VNI-Times" pitchFamily="2" charset="0"/>
+              </a:rPr>
+              <a:t> </a:t>
             </a:r>
           </a:p>
           <a:p>
             <a:pPr algn="ctr"/>
             <a:r>
-              <a:rPr lang="en-US" sz="6600" b="1" smtClean="0">
-                <a:ln w="11430"/>
-                <a:solidFill>
-                  <a:srgbClr val="FFFF00"/>
-                </a:solidFill>
-                <a:effectLst>
-                  <a:glow rad="127000">
-                    <a:prstClr val="black"/>
-                  </a:glow>
-                  <a:outerShdw blurRad="50800" dist="39000" dir="5460000" algn="tl">
-                    <a:srgbClr val="000000">
-                      <a:alpha val="38000"/>
-                    </a:srgbClr>
-                  </a:outerShdw>
-                </a:effectLst>
-                <a:latin typeface="HP-Bank" panose="020B0603050302020204" pitchFamily="34" charset="0"/>
-              </a:rPr>
-              <a:t>danh ngaøi</a:t>
-            </a:r>
+              <a:rPr lang="en-US" sz="6600" b="1" dirty="0" err="1">
+                <a:ln w="11430"/>
+                <a:solidFill>
+                  <a:srgbClr val="FFFF00"/>
+                </a:solidFill>
+                <a:effectLst>
+                  <a:glow rad="127000">
+                    <a:prstClr val="black"/>
+                  </a:glow>
+                  <a:outerShdw blurRad="50800" dist="39000" dir="5460000" algn="tl">
+                    <a:srgbClr val="000000">
+                      <a:alpha val="38000"/>
+                    </a:srgbClr>
+                  </a:outerShdw>
+                </a:effectLst>
+                <a:latin typeface="VNI-Times" pitchFamily="2" charset="0"/>
+              </a:rPr>
+              <a:t>danh</a:t>
+            </a:r>
+            <a:r>
+              <a:rPr lang="en-US" sz="6600" b="1" dirty="0">
+                <a:ln w="11430"/>
+                <a:solidFill>
+                  <a:srgbClr val="FFFF00"/>
+                </a:solidFill>
+                <a:effectLst>
+                  <a:glow rad="127000">
+                    <a:prstClr val="black"/>
+                  </a:glow>
+                  <a:outerShdw blurRad="50800" dist="39000" dir="5460000" algn="tl">
+                    <a:srgbClr val="000000">
+                      <a:alpha val="38000"/>
+                    </a:srgbClr>
+                  </a:outerShdw>
+                </a:effectLst>
+                <a:latin typeface="VNI-Times" pitchFamily="2" charset="0"/>
+              </a:rPr>
+              <a:t> </a:t>
+            </a:r>
+            <a:r>
+              <a:rPr lang="en-US" sz="6600" b="1" dirty="0" err="1">
+                <a:ln w="11430"/>
+                <a:solidFill>
+                  <a:srgbClr val="FFFF00"/>
+                </a:solidFill>
+                <a:effectLst>
+                  <a:glow rad="127000">
+                    <a:prstClr val="black"/>
+                  </a:glow>
+                  <a:outerShdw blurRad="50800" dist="39000" dir="5460000" algn="tl">
+                    <a:srgbClr val="000000">
+                      <a:alpha val="38000"/>
+                    </a:srgbClr>
+                  </a:outerShdw>
+                </a:effectLst>
+                <a:latin typeface="VNI-Times" pitchFamily="2" charset="0"/>
+              </a:rPr>
+              <a:t>ngaøi</a:t>
+            </a:r>
+            <a:endParaRPr lang="en-US" sz="6600" b="1" dirty="0">
+              <a:ln w="11430"/>
+              <a:solidFill>
+                <a:srgbClr val="FFFF00"/>
+              </a:solidFill>
+              <a:effectLst>
+                <a:glow rad="127000">
+                  <a:prstClr val="black"/>
+                </a:glow>
+                <a:outerShdw blurRad="50800" dist="39000" dir="5460000" algn="tl">
+                  <a:srgbClr val="000000">
+                    <a:alpha val="38000"/>
+                  </a:srgbClr>
+                </a:outerShdw>
+              </a:effectLst>
+              <a:latin typeface="VNI-Times" pitchFamily="2" charset="0"/>
+            </a:endParaRPr>
           </a:p>
         </p:txBody>
       </p:sp>
@@ -1861,25 +2055,18 @@
   <p:clrMapOvr>
     <a:masterClrMapping/>
   </p:clrMapOvr>
-  <mc:AlternateContent xmlns:mc="http://schemas.openxmlformats.org/markup-compatibility/2006">
-    <mc:Choice xmlns:p14="http://schemas.microsoft.com/office/powerpoint/2010/main" Requires="p14">
+  <mc:AlternateContent xmlns:mc="http://schemas.openxmlformats.org/markup-compatibility/2006" xmlns:p14="http://schemas.microsoft.com/office/powerpoint/2010/main">
+    <mc:Choice Requires="p14">
       <p:transition spd="slow" p14:dur="800">
         <p:circle/>
       </p:transition>
     </mc:Choice>
-    <mc:Fallback>
+    <mc:Fallback xmlns="">
       <p:transition spd="slow">
         <p:circle/>
       </p:transition>
     </mc:Fallback>
   </mc:AlternateContent>
-  <p:timing>
-    <p:tnLst>
-      <p:par>
-        <p:cTn id="1" dur="indefinite" restart="never" nodeType="tmRoot"/>
-      </p:par>
-    </p:tnLst>
-  </p:timing>
 </p:sld>
 </file>
 
@@ -1924,25 +2111,262 @@
           <a:p>
             <a:pPr algn="ctr"/>
             <a:r>
-              <a:rPr lang="en-US" sz="4000" b="1" spc="-150" smtClean="0">
-                <a:ln w="11430"/>
-                <a:solidFill>
-                  <a:srgbClr val="FFFF00"/>
-                </a:solidFill>
-                <a:effectLst>
-                  <a:glow rad="127000">
-                    <a:prstClr val="black"/>
-                  </a:glow>
-                  <a:outerShdw blurRad="50800" dist="39000" dir="5460000" algn="tl">
-                    <a:srgbClr val="000000">
-                      <a:alpha val="38000"/>
-                    </a:srgbClr>
-                  </a:outerShdw>
-                </a:effectLst>
-                <a:latin typeface="HP-Bank" panose="020B0603050302020204" pitchFamily="34" charset="0"/>
-              </a:rPr>
-              <a:t>con chæ mong toân cao danh ngaøi</a:t>
-            </a:r>
+              <a:rPr lang="en-US" sz="4000" b="1" spc="-150" dirty="0">
+                <a:ln w="11430"/>
+                <a:solidFill>
+                  <a:srgbClr val="FFFF00"/>
+                </a:solidFill>
+                <a:effectLst>
+                  <a:glow rad="127000">
+                    <a:prstClr val="black"/>
+                  </a:glow>
+                  <a:outerShdw blurRad="50800" dist="39000" dir="5460000" algn="tl">
+                    <a:srgbClr val="000000">
+                      <a:alpha val="38000"/>
+                    </a:srgbClr>
+                  </a:outerShdw>
+                </a:effectLst>
+                <a:latin typeface="VNI-Times" pitchFamily="2" charset="0"/>
+              </a:rPr>
+              <a:t>con </a:t>
+            </a:r>
+            <a:r>
+              <a:rPr lang="en-US" sz="4000" b="1" spc="-150" dirty="0" err="1">
+                <a:ln w="11430"/>
+                <a:solidFill>
+                  <a:srgbClr val="FFFF00"/>
+                </a:solidFill>
+                <a:effectLst>
+                  <a:glow rad="127000">
+                    <a:prstClr val="black"/>
+                  </a:glow>
+                  <a:outerShdw blurRad="50800" dist="39000" dir="5460000" algn="tl">
+                    <a:srgbClr val="000000">
+                      <a:alpha val="38000"/>
+                    </a:srgbClr>
+                  </a:outerShdw>
+                </a:effectLst>
+                <a:latin typeface="VNI-Times" pitchFamily="2" charset="0"/>
+              </a:rPr>
+              <a:t>chæ</a:t>
+            </a:r>
+            <a:r>
+              <a:rPr lang="en-US" sz="4000" b="1" spc="-150" dirty="0">
+                <a:ln w="11430"/>
+                <a:solidFill>
+                  <a:srgbClr val="FFFF00"/>
+                </a:solidFill>
+                <a:effectLst>
+                  <a:glow rad="127000">
+                    <a:prstClr val="black"/>
+                  </a:glow>
+                  <a:outerShdw blurRad="50800" dist="39000" dir="5460000" algn="tl">
+                    <a:srgbClr val="000000">
+                      <a:alpha val="38000"/>
+                    </a:srgbClr>
+                  </a:outerShdw>
+                </a:effectLst>
+                <a:latin typeface="VNI-Times" pitchFamily="2" charset="0"/>
+              </a:rPr>
+              <a:t> </a:t>
+            </a:r>
+            <a:r>
+              <a:rPr lang="en-US" sz="4000" b="1" spc="-150" dirty="0" err="1">
+                <a:ln w="11430"/>
+                <a:solidFill>
+                  <a:srgbClr val="FFFF00"/>
+                </a:solidFill>
+                <a:effectLst>
+                  <a:glow rad="127000">
+                    <a:prstClr val="black"/>
+                  </a:glow>
+                  <a:outerShdw blurRad="50800" dist="39000" dir="5460000" algn="tl">
+                    <a:srgbClr val="000000">
+                      <a:alpha val="38000"/>
+                    </a:srgbClr>
+                  </a:outerShdw>
+                </a:effectLst>
+                <a:latin typeface="VNI-Times" pitchFamily="2" charset="0"/>
+              </a:rPr>
+              <a:t>mong</a:t>
+            </a:r>
+            <a:r>
+              <a:rPr lang="en-US" sz="4000" b="1" spc="-150" dirty="0">
+                <a:ln w="11430"/>
+                <a:solidFill>
+                  <a:srgbClr val="FFFF00"/>
+                </a:solidFill>
+                <a:effectLst>
+                  <a:glow rad="127000">
+                    <a:prstClr val="black"/>
+                  </a:glow>
+                  <a:outerShdw blurRad="50800" dist="39000" dir="5460000" algn="tl">
+                    <a:srgbClr val="000000">
+                      <a:alpha val="38000"/>
+                    </a:srgbClr>
+                  </a:outerShdw>
+                </a:effectLst>
+                <a:latin typeface="VNI-Times" pitchFamily="2" charset="0"/>
+              </a:rPr>
+              <a:t> </a:t>
+            </a:r>
+            <a:r>
+              <a:rPr lang="en-US" sz="4000" b="1" spc="-150" dirty="0" err="1">
+                <a:ln w="11430"/>
+                <a:solidFill>
+                  <a:srgbClr val="FFFF00"/>
+                </a:solidFill>
+                <a:effectLst>
+                  <a:glow rad="127000">
+                    <a:prstClr val="black"/>
+                  </a:glow>
+                  <a:outerShdw blurRad="50800" dist="39000" dir="5460000" algn="tl">
+                    <a:srgbClr val="000000">
+                      <a:alpha val="38000"/>
+                    </a:srgbClr>
+                  </a:outerShdw>
+                </a:effectLst>
+                <a:latin typeface="VNI-Times" pitchFamily="2" charset="0"/>
+              </a:rPr>
+              <a:t>toân</a:t>
+            </a:r>
+            <a:r>
+              <a:rPr lang="en-US" sz="4000" b="1" spc="-150" dirty="0">
+                <a:ln w="11430"/>
+                <a:solidFill>
+                  <a:srgbClr val="FFFF00"/>
+                </a:solidFill>
+                <a:effectLst>
+                  <a:glow rad="127000">
+                    <a:prstClr val="black"/>
+                  </a:glow>
+                  <a:outerShdw blurRad="50800" dist="39000" dir="5460000" algn="tl">
+                    <a:srgbClr val="000000">
+                      <a:alpha val="38000"/>
+                    </a:srgbClr>
+                  </a:outerShdw>
+                </a:effectLst>
+                <a:latin typeface="VNI-Times" pitchFamily="2" charset="0"/>
+              </a:rPr>
+              <a:t> </a:t>
+            </a:r>
+            <a:r>
+              <a:rPr lang="en-US" sz="4000" b="1" spc="-150" dirty="0" err="1">
+                <a:ln w="11430"/>
+                <a:solidFill>
+                  <a:srgbClr val="FFFF00"/>
+                </a:solidFill>
+                <a:effectLst>
+                  <a:glow rad="127000">
+                    <a:prstClr val="black"/>
+                  </a:glow>
+                  <a:outerShdw blurRad="50800" dist="39000" dir="5460000" algn="tl">
+                    <a:srgbClr val="000000">
+                      <a:alpha val="38000"/>
+                    </a:srgbClr>
+                  </a:outerShdw>
+                </a:effectLst>
+                <a:latin typeface="VNI-Times" pitchFamily="2" charset="0"/>
+              </a:rPr>
+              <a:t>cao</a:t>
+            </a:r>
+            <a:r>
+              <a:rPr lang="en-US" sz="4000" b="1" spc="-150" dirty="0">
+                <a:ln w="11430"/>
+                <a:solidFill>
+                  <a:srgbClr val="FFFF00"/>
+                </a:solidFill>
+                <a:effectLst>
+                  <a:glow rad="127000">
+                    <a:prstClr val="black"/>
+                  </a:glow>
+                  <a:outerShdw blurRad="50800" dist="39000" dir="5460000" algn="tl">
+                    <a:srgbClr val="000000">
+                      <a:alpha val="38000"/>
+                    </a:srgbClr>
+                  </a:outerShdw>
+                </a:effectLst>
+                <a:latin typeface="VNI-Times" pitchFamily="2" charset="0"/>
+              </a:rPr>
+              <a:t> </a:t>
+            </a:r>
+            <a:r>
+              <a:rPr lang="en-US" sz="4000" b="1" spc="-150" dirty="0" err="1">
+                <a:ln w="11430"/>
+                <a:solidFill>
+                  <a:srgbClr val="FFFF00"/>
+                </a:solidFill>
+                <a:effectLst>
+                  <a:glow rad="127000">
+                    <a:prstClr val="black"/>
+                  </a:glow>
+                  <a:outerShdw blurRad="50800" dist="39000" dir="5460000" algn="tl">
+                    <a:srgbClr val="000000">
+                      <a:alpha val="38000"/>
+                    </a:srgbClr>
+                  </a:outerShdw>
+                </a:effectLst>
+                <a:latin typeface="VNI-Times" pitchFamily="2" charset="0"/>
+              </a:rPr>
+              <a:t>danh</a:t>
+            </a:r>
+            <a:r>
+              <a:rPr lang="en-US" sz="4000" b="1" spc="-150" dirty="0">
+                <a:ln w="11430"/>
+                <a:solidFill>
+                  <a:srgbClr val="FFFF00"/>
+                </a:solidFill>
+                <a:effectLst>
+                  <a:glow rad="127000">
+                    <a:prstClr val="black"/>
+                  </a:glow>
+                  <a:outerShdw blurRad="50800" dist="39000" dir="5460000" algn="tl">
+                    <a:srgbClr val="000000">
+                      <a:alpha val="38000"/>
+                    </a:srgbClr>
+                  </a:outerShdw>
+                </a:effectLst>
+                <a:latin typeface="VNI-Times" pitchFamily="2" charset="0"/>
+              </a:rPr>
+              <a:t> </a:t>
+            </a:r>
+            <a:r>
+              <a:rPr lang="en-US" sz="4000" b="1" spc="-150" dirty="0" err="1">
+                <a:ln w="11430"/>
+                <a:solidFill>
+                  <a:srgbClr val="FFFF00"/>
+                </a:solidFill>
+                <a:effectLst>
+                  <a:glow rad="127000">
+                    <a:prstClr val="black"/>
+                  </a:glow>
+                  <a:outerShdw blurRad="50800" dist="39000" dir="5460000" algn="tl">
+                    <a:srgbClr val="000000">
+                      <a:alpha val="38000"/>
+                    </a:srgbClr>
+                  </a:outerShdw>
+                </a:effectLst>
+                <a:latin typeface="VNI-Times" pitchFamily="2" charset="0"/>
+              </a:rPr>
+              <a:t>ngaøi</a:t>
+            </a:r>
+            <a:endParaRPr lang="en-US" sz="4000" b="1" spc="-150" dirty="0">
+              <a:ln w="11430"/>
+              <a:solidFill>
+                <a:srgbClr val="FFFF00"/>
+              </a:solidFill>
+              <a:effectLst>
+                <a:glow rad="127000">
+                  <a:prstClr val="black"/>
+                </a:glow>
+                <a:outerShdw blurRad="50800" dist="39000" dir="5460000" algn="tl">
+                  <a:srgbClr val="000000">
+                    <a:alpha val="38000"/>
+                  </a:srgbClr>
+                </a:outerShdw>
+              </a:effectLst>
+              <a:latin typeface="VNI-Times" pitchFamily="2" charset="0"/>
+            </a:endParaRPr>
           </a:p>
         </p:txBody>
       </p:sp>
@@ -1989,242 +2413,498 @@
               </a:spcAft>
             </a:pPr>
             <a:r>
-              <a:rPr lang="en-US" sz="6600" b="1">
-                <a:solidFill>
-                  <a:prstClr val="black"/>
-                </a:solidFill>
-                <a:effectLst>
-                  <a:glow rad="127000">
-                    <a:prstClr val="white"/>
-                  </a:glow>
-                </a:effectLst>
-                <a:latin typeface="VNI-Aptima" pitchFamily="2" charset="0"/>
-                <a:ea typeface="Times New Roman" pitchFamily="18" charset="0"/>
-                <a:cs typeface="Times New Roman" pitchFamily="18" charset="0"/>
-              </a:rPr>
-              <a:t>Con chæ </a:t>
-            </a:r>
-            <a:r>
-              <a:rPr lang="en-US" sz="6600" b="1">
-                <a:solidFill>
-                  <a:prstClr val="black"/>
-                </a:solidFill>
-                <a:effectLst>
-                  <a:glow rad="127000">
-                    <a:prstClr val="white"/>
-                  </a:glow>
-                </a:effectLst>
-                <a:latin typeface="VNI-Aptima" pitchFamily="2" charset="0"/>
-                <a:ea typeface="Times New Roman" pitchFamily="18" charset="0"/>
-                <a:cs typeface="Times New Roman" pitchFamily="18" charset="0"/>
-              </a:rPr>
-              <a:t>mong </a:t>
-            </a:r>
-            <a:r>
-              <a:rPr lang="en-US" sz="6600" b="1" smtClean="0">
-                <a:solidFill>
-                  <a:prstClr val="black"/>
-                </a:solidFill>
-                <a:effectLst>
-                  <a:glow rad="127000">
-                    <a:prstClr val="white"/>
-                  </a:glow>
-                </a:effectLst>
-                <a:latin typeface="VNI-Aptima" pitchFamily="2" charset="0"/>
-                <a:ea typeface="Times New Roman" pitchFamily="18" charset="0"/>
-                <a:cs typeface="Times New Roman" pitchFamily="18" charset="0"/>
-              </a:rPr>
-              <a:t>toân cao </a:t>
-            </a:r>
-            <a:r>
-              <a:rPr lang="en-US" sz="6600" b="1">
-                <a:solidFill>
-                  <a:prstClr val="black"/>
-                </a:solidFill>
-                <a:effectLst>
-                  <a:glow rad="127000">
-                    <a:prstClr val="white"/>
-                  </a:glow>
-                </a:effectLst>
-                <a:latin typeface="VNI-Aptima" pitchFamily="2" charset="0"/>
-                <a:ea typeface="Times New Roman" pitchFamily="18" charset="0"/>
-                <a:cs typeface="Times New Roman" pitchFamily="18" charset="0"/>
-              </a:rPr>
-              <a:t>danh </a:t>
-            </a:r>
-            <a:r>
-              <a:rPr lang="en-US" sz="6600" b="1" smtClean="0">
-                <a:solidFill>
-                  <a:prstClr val="black"/>
-                </a:solidFill>
-                <a:effectLst>
-                  <a:glow rad="127000">
-                    <a:prstClr val="white"/>
-                  </a:glow>
-                </a:effectLst>
-                <a:latin typeface="VNI-Aptima" pitchFamily="2" charset="0"/>
-                <a:ea typeface="Times New Roman" pitchFamily="18" charset="0"/>
-                <a:cs typeface="Times New Roman" pitchFamily="18" charset="0"/>
-              </a:rPr>
-              <a:t>Ngaøi, giôø </a:t>
-            </a:r>
-            <a:r>
-              <a:rPr lang="en-US" sz="6600" b="1">
-                <a:solidFill>
-                  <a:prstClr val="black"/>
-                </a:solidFill>
-                <a:effectLst>
-                  <a:glow rad="127000">
-                    <a:prstClr val="white"/>
-                  </a:glow>
-                </a:effectLst>
-                <a:latin typeface="VNI-Aptima" pitchFamily="2" charset="0"/>
-                <a:ea typeface="Times New Roman" pitchFamily="18" charset="0"/>
-                <a:cs typeface="Times New Roman" pitchFamily="18" charset="0"/>
-              </a:rPr>
-              <a:t>con </a:t>
-            </a:r>
-            <a:r>
-              <a:rPr lang="en-US" sz="6600" b="1" smtClean="0">
-                <a:solidFill>
-                  <a:prstClr val="black"/>
-                </a:solidFill>
-                <a:effectLst>
-                  <a:glow rad="127000">
-                    <a:prstClr val="white"/>
-                  </a:glow>
-                </a:effectLst>
-                <a:latin typeface="VNI-Aptima" pitchFamily="2" charset="0"/>
-                <a:ea typeface="Times New Roman" pitchFamily="18" charset="0"/>
-                <a:cs typeface="Times New Roman" pitchFamily="18" charset="0"/>
-              </a:rPr>
-              <a:t/>
+              <a:rPr lang="en-US" sz="6600" b="1" dirty="0">
+                <a:solidFill>
+                  <a:prstClr val="black"/>
+                </a:solidFill>
+                <a:effectLst>
+                  <a:glow rad="127000">
+                    <a:prstClr val="white"/>
+                  </a:glow>
+                </a:effectLst>
+                <a:latin typeface="VNI-Times" pitchFamily="2" charset="0"/>
+                <a:ea typeface="Times New Roman" pitchFamily="18" charset="0"/>
+                <a:cs typeface="Times New Roman" pitchFamily="18" charset="0"/>
+              </a:rPr>
+              <a:t>Con </a:t>
+            </a:r>
+            <a:r>
+              <a:rPr lang="en-US" sz="6600" b="1" dirty="0" err="1">
+                <a:solidFill>
+                  <a:prstClr val="black"/>
+                </a:solidFill>
+                <a:effectLst>
+                  <a:glow rad="127000">
+                    <a:prstClr val="white"/>
+                  </a:glow>
+                </a:effectLst>
+                <a:latin typeface="VNI-Times" pitchFamily="2" charset="0"/>
+                <a:ea typeface="Times New Roman" pitchFamily="18" charset="0"/>
+                <a:cs typeface="Times New Roman" pitchFamily="18" charset="0"/>
+              </a:rPr>
+              <a:t>chæ</a:t>
+            </a:r>
+            <a:r>
+              <a:rPr lang="en-US" sz="6600" b="1" dirty="0">
+                <a:solidFill>
+                  <a:prstClr val="black"/>
+                </a:solidFill>
+                <a:effectLst>
+                  <a:glow rad="127000">
+                    <a:prstClr val="white"/>
+                  </a:glow>
+                </a:effectLst>
+                <a:latin typeface="VNI-Times" pitchFamily="2" charset="0"/>
+                <a:ea typeface="Times New Roman" pitchFamily="18" charset="0"/>
+                <a:cs typeface="Times New Roman" pitchFamily="18" charset="0"/>
+              </a:rPr>
+              <a:t> </a:t>
+            </a:r>
+            <a:r>
+              <a:rPr lang="en-US" sz="6600" b="1" dirty="0" err="1">
+                <a:solidFill>
+                  <a:prstClr val="black"/>
+                </a:solidFill>
+                <a:effectLst>
+                  <a:glow rad="127000">
+                    <a:prstClr val="white"/>
+                  </a:glow>
+                </a:effectLst>
+                <a:latin typeface="VNI-Times" pitchFamily="2" charset="0"/>
+                <a:ea typeface="Times New Roman" pitchFamily="18" charset="0"/>
+                <a:cs typeface="Times New Roman" pitchFamily="18" charset="0"/>
+              </a:rPr>
+              <a:t>mong</a:t>
+            </a:r>
+            <a:r>
+              <a:rPr lang="en-US" sz="6600" b="1" dirty="0">
+                <a:solidFill>
+                  <a:prstClr val="black"/>
+                </a:solidFill>
+                <a:effectLst>
+                  <a:glow rad="127000">
+                    <a:prstClr val="white"/>
+                  </a:glow>
+                </a:effectLst>
+                <a:latin typeface="VNI-Times" pitchFamily="2" charset="0"/>
+                <a:ea typeface="Times New Roman" pitchFamily="18" charset="0"/>
+                <a:cs typeface="Times New Roman" pitchFamily="18" charset="0"/>
+              </a:rPr>
+              <a:t> </a:t>
+            </a:r>
+            <a:r>
+              <a:rPr lang="en-US" sz="6600" b="1" dirty="0" err="1">
+                <a:solidFill>
+                  <a:prstClr val="black"/>
+                </a:solidFill>
+                <a:effectLst>
+                  <a:glow rad="127000">
+                    <a:prstClr val="white"/>
+                  </a:glow>
+                </a:effectLst>
+                <a:latin typeface="VNI-Times" pitchFamily="2" charset="0"/>
+                <a:ea typeface="Times New Roman" pitchFamily="18" charset="0"/>
+                <a:cs typeface="Times New Roman" pitchFamily="18" charset="0"/>
+              </a:rPr>
+              <a:t>toân</a:t>
+            </a:r>
+            <a:r>
+              <a:rPr lang="en-US" sz="6600" b="1" dirty="0">
+                <a:solidFill>
+                  <a:prstClr val="black"/>
+                </a:solidFill>
+                <a:effectLst>
+                  <a:glow rad="127000">
+                    <a:prstClr val="white"/>
+                  </a:glow>
+                </a:effectLst>
+                <a:latin typeface="VNI-Times" pitchFamily="2" charset="0"/>
+                <a:ea typeface="Times New Roman" pitchFamily="18" charset="0"/>
+                <a:cs typeface="Times New Roman" pitchFamily="18" charset="0"/>
+              </a:rPr>
+              <a:t> </a:t>
+            </a:r>
+            <a:r>
+              <a:rPr lang="en-US" sz="6600" b="1" dirty="0" err="1">
+                <a:solidFill>
+                  <a:prstClr val="black"/>
+                </a:solidFill>
+                <a:effectLst>
+                  <a:glow rad="127000">
+                    <a:prstClr val="white"/>
+                  </a:glow>
+                </a:effectLst>
+                <a:latin typeface="VNI-Times" pitchFamily="2" charset="0"/>
+                <a:ea typeface="Times New Roman" pitchFamily="18" charset="0"/>
+                <a:cs typeface="Times New Roman" pitchFamily="18" charset="0"/>
+              </a:rPr>
+              <a:t>cao</a:t>
+            </a:r>
+            <a:r>
+              <a:rPr lang="en-US" sz="6600" b="1" dirty="0">
+                <a:solidFill>
+                  <a:prstClr val="black"/>
+                </a:solidFill>
+                <a:effectLst>
+                  <a:glow rad="127000">
+                    <a:prstClr val="white"/>
+                  </a:glow>
+                </a:effectLst>
+                <a:latin typeface="VNI-Times" pitchFamily="2" charset="0"/>
+                <a:ea typeface="Times New Roman" pitchFamily="18" charset="0"/>
+                <a:cs typeface="Times New Roman" pitchFamily="18" charset="0"/>
+              </a:rPr>
+              <a:t> </a:t>
+            </a:r>
+            <a:r>
+              <a:rPr lang="en-US" sz="6600" b="1" dirty="0" err="1">
+                <a:solidFill>
+                  <a:prstClr val="black"/>
+                </a:solidFill>
+                <a:effectLst>
+                  <a:glow rad="127000">
+                    <a:prstClr val="white"/>
+                  </a:glow>
+                </a:effectLst>
+                <a:latin typeface="VNI-Times" pitchFamily="2" charset="0"/>
+                <a:ea typeface="Times New Roman" pitchFamily="18" charset="0"/>
+                <a:cs typeface="Times New Roman" pitchFamily="18" charset="0"/>
+              </a:rPr>
+              <a:t>danh</a:t>
+            </a:r>
+            <a:r>
+              <a:rPr lang="en-US" sz="6600" b="1" dirty="0">
+                <a:solidFill>
+                  <a:prstClr val="black"/>
+                </a:solidFill>
+                <a:effectLst>
+                  <a:glow rad="127000">
+                    <a:prstClr val="white"/>
+                  </a:glow>
+                </a:effectLst>
+                <a:latin typeface="VNI-Times" pitchFamily="2" charset="0"/>
+                <a:ea typeface="Times New Roman" pitchFamily="18" charset="0"/>
+                <a:cs typeface="Times New Roman" pitchFamily="18" charset="0"/>
+              </a:rPr>
+              <a:t> </a:t>
+            </a:r>
+            <a:r>
+              <a:rPr lang="en-US" sz="6600" b="1" dirty="0" err="1">
+                <a:solidFill>
+                  <a:prstClr val="black"/>
+                </a:solidFill>
+                <a:effectLst>
+                  <a:glow rad="127000">
+                    <a:prstClr val="white"/>
+                  </a:glow>
+                </a:effectLst>
+                <a:latin typeface="VNI-Times" pitchFamily="2" charset="0"/>
+                <a:ea typeface="Times New Roman" pitchFamily="18" charset="0"/>
+                <a:cs typeface="Times New Roman" pitchFamily="18" charset="0"/>
+              </a:rPr>
+              <a:t>Ngaøi</a:t>
+            </a:r>
+            <a:r>
+              <a:rPr lang="en-US" sz="6600" b="1" dirty="0">
+                <a:solidFill>
+                  <a:prstClr val="black"/>
+                </a:solidFill>
+                <a:effectLst>
+                  <a:glow rad="127000">
+                    <a:prstClr val="white"/>
+                  </a:glow>
+                </a:effectLst>
+                <a:latin typeface="VNI-Times" pitchFamily="2" charset="0"/>
+                <a:ea typeface="Times New Roman" pitchFamily="18" charset="0"/>
+                <a:cs typeface="Times New Roman" pitchFamily="18" charset="0"/>
+              </a:rPr>
+              <a:t>, </a:t>
+            </a:r>
+            <a:r>
+              <a:rPr lang="en-US" sz="6600" b="1" dirty="0" err="1">
+                <a:solidFill>
+                  <a:prstClr val="black"/>
+                </a:solidFill>
+                <a:effectLst>
+                  <a:glow rad="127000">
+                    <a:prstClr val="white"/>
+                  </a:glow>
+                </a:effectLst>
+                <a:latin typeface="VNI-Times" pitchFamily="2" charset="0"/>
+                <a:ea typeface="Times New Roman" pitchFamily="18" charset="0"/>
+                <a:cs typeface="Times New Roman" pitchFamily="18" charset="0"/>
+              </a:rPr>
+              <a:t>giôø</a:t>
+            </a:r>
+            <a:r>
+              <a:rPr lang="en-US" sz="6600" b="1" dirty="0">
+                <a:solidFill>
+                  <a:prstClr val="black"/>
+                </a:solidFill>
+                <a:effectLst>
+                  <a:glow rad="127000">
+                    <a:prstClr val="white"/>
+                  </a:glow>
+                </a:effectLst>
+                <a:latin typeface="VNI-Times" pitchFamily="2" charset="0"/>
+                <a:ea typeface="Times New Roman" pitchFamily="18" charset="0"/>
+                <a:cs typeface="Times New Roman" pitchFamily="18" charset="0"/>
+              </a:rPr>
+              <a:t> con </a:t>
             </a:r>
             <a:br>
-              <a:rPr lang="en-US" sz="6600" b="1" smtClean="0">
-                <a:solidFill>
-                  <a:prstClr val="black"/>
-                </a:solidFill>
-                <a:effectLst>
-                  <a:glow rad="127000">
-                    <a:prstClr val="white"/>
-                  </a:glow>
-                </a:effectLst>
-                <a:latin typeface="VNI-Aptima" pitchFamily="2" charset="0"/>
+              <a:rPr lang="en-US" sz="6600" b="1" dirty="0">
+                <a:solidFill>
+                  <a:prstClr val="black"/>
+                </a:solidFill>
+                <a:effectLst>
+                  <a:glow rad="127000">
+                    <a:prstClr val="white"/>
+                  </a:glow>
+                </a:effectLst>
+                <a:latin typeface="VNI-Times" pitchFamily="2" charset="0"/>
                 <a:ea typeface="Times New Roman" pitchFamily="18" charset="0"/>
                 <a:cs typeface="Times New Roman" pitchFamily="18" charset="0"/>
               </a:rPr>
             </a:br>
             <a:r>
-              <a:rPr lang="en-US" sz="6600" b="1" smtClean="0">
-                <a:solidFill>
-                  <a:prstClr val="black"/>
-                </a:solidFill>
-                <a:effectLst>
-                  <a:glow rad="127000">
-                    <a:prstClr val="white"/>
-                  </a:glow>
-                </a:effectLst>
-                <a:latin typeface="VNI-Aptima" pitchFamily="2" charset="0"/>
-                <a:ea typeface="Times New Roman" pitchFamily="18" charset="0"/>
-                <a:cs typeface="Times New Roman" pitchFamily="18" charset="0"/>
-              </a:rPr>
-              <a:t>laëng </a:t>
-            </a:r>
-            <a:r>
-              <a:rPr lang="en-US" sz="6600" b="1">
-                <a:solidFill>
-                  <a:prstClr val="black"/>
-                </a:solidFill>
-                <a:effectLst>
-                  <a:glow rad="127000">
-                    <a:prstClr val="white"/>
-                  </a:glow>
-                </a:effectLst>
-                <a:latin typeface="VNI-Aptima" pitchFamily="2" charset="0"/>
-                <a:ea typeface="Times New Roman" pitchFamily="18" charset="0"/>
-                <a:cs typeface="Times New Roman" pitchFamily="18" charset="0"/>
-              </a:rPr>
-              <a:t>yeân </a:t>
-            </a:r>
-            <a:r>
-              <a:rPr lang="en-US" sz="6600" b="1">
-                <a:solidFill>
-                  <a:prstClr val="black"/>
-                </a:solidFill>
-                <a:effectLst>
-                  <a:glow rad="127000">
-                    <a:prstClr val="white"/>
-                  </a:glow>
-                </a:effectLst>
-                <a:latin typeface="VNI-Aptima" pitchFamily="2" charset="0"/>
-                <a:ea typeface="Times New Roman" pitchFamily="18" charset="0"/>
-                <a:cs typeface="Times New Roman" pitchFamily="18" charset="0"/>
-              </a:rPr>
-              <a:t>ñeán </a:t>
-            </a:r>
-            <a:r>
-              <a:rPr lang="en-US" sz="6600" b="1" smtClean="0">
-                <a:solidFill>
-                  <a:prstClr val="black"/>
-                </a:solidFill>
-                <a:effectLst>
-                  <a:glow rad="127000">
-                    <a:prstClr val="white"/>
-                  </a:glow>
-                </a:effectLst>
-                <a:latin typeface="VNI-Aptima" pitchFamily="2" charset="0"/>
-                <a:ea typeface="Times New Roman" pitchFamily="18" charset="0"/>
-                <a:cs typeface="Times New Roman" pitchFamily="18" charset="0"/>
-              </a:rPr>
-              <a:t>tröôùc </a:t>
+              <a:rPr lang="en-US" sz="6600" b="1" dirty="0" err="1">
+                <a:solidFill>
+                  <a:prstClr val="black"/>
+                </a:solidFill>
+                <a:effectLst>
+                  <a:glow rad="127000">
+                    <a:prstClr val="white"/>
+                  </a:glow>
+                </a:effectLst>
+                <a:latin typeface="VNI-Times" pitchFamily="2" charset="0"/>
+                <a:ea typeface="Times New Roman" pitchFamily="18" charset="0"/>
+                <a:cs typeface="Times New Roman" pitchFamily="18" charset="0"/>
+              </a:rPr>
+              <a:t>laëng</a:t>
+            </a:r>
+            <a:r>
+              <a:rPr lang="en-US" sz="6600" b="1" dirty="0">
+                <a:solidFill>
+                  <a:prstClr val="black"/>
+                </a:solidFill>
+                <a:effectLst>
+                  <a:glow rad="127000">
+                    <a:prstClr val="white"/>
+                  </a:glow>
+                </a:effectLst>
+                <a:latin typeface="VNI-Times" pitchFamily="2" charset="0"/>
+                <a:ea typeface="Times New Roman" pitchFamily="18" charset="0"/>
+                <a:cs typeface="Times New Roman" pitchFamily="18" charset="0"/>
+              </a:rPr>
+              <a:t> </a:t>
+            </a:r>
+            <a:r>
+              <a:rPr lang="en-US" sz="6600" b="1" dirty="0" err="1">
+                <a:solidFill>
+                  <a:prstClr val="black"/>
+                </a:solidFill>
+                <a:effectLst>
+                  <a:glow rad="127000">
+                    <a:prstClr val="white"/>
+                  </a:glow>
+                </a:effectLst>
+                <a:latin typeface="VNI-Times" pitchFamily="2" charset="0"/>
+                <a:ea typeface="Times New Roman" pitchFamily="18" charset="0"/>
+                <a:cs typeface="Times New Roman" pitchFamily="18" charset="0"/>
+              </a:rPr>
+              <a:t>yeân</a:t>
+            </a:r>
+            <a:r>
+              <a:rPr lang="en-US" sz="6600" b="1" dirty="0">
+                <a:solidFill>
+                  <a:prstClr val="black"/>
+                </a:solidFill>
+                <a:effectLst>
+                  <a:glow rad="127000">
+                    <a:prstClr val="white"/>
+                  </a:glow>
+                </a:effectLst>
+                <a:latin typeface="VNI-Times" pitchFamily="2" charset="0"/>
+                <a:ea typeface="Times New Roman" pitchFamily="18" charset="0"/>
+                <a:cs typeface="Times New Roman" pitchFamily="18" charset="0"/>
+              </a:rPr>
+              <a:t> </a:t>
+            </a:r>
+            <a:r>
+              <a:rPr lang="en-US" sz="6600" b="1" dirty="0" err="1">
+                <a:solidFill>
+                  <a:prstClr val="black"/>
+                </a:solidFill>
+                <a:effectLst>
+                  <a:glow rad="127000">
+                    <a:prstClr val="white"/>
+                  </a:glow>
+                </a:effectLst>
+                <a:latin typeface="VNI-Times" pitchFamily="2" charset="0"/>
+                <a:ea typeface="Times New Roman" pitchFamily="18" charset="0"/>
+                <a:cs typeface="Times New Roman" pitchFamily="18" charset="0"/>
+              </a:rPr>
+              <a:t>ñeán</a:t>
+            </a:r>
+            <a:r>
+              <a:rPr lang="en-US" sz="6600" b="1" dirty="0">
+                <a:solidFill>
+                  <a:prstClr val="black"/>
+                </a:solidFill>
+                <a:effectLst>
+                  <a:glow rad="127000">
+                    <a:prstClr val="white"/>
+                  </a:glow>
+                </a:effectLst>
+                <a:latin typeface="VNI-Times" pitchFamily="2" charset="0"/>
+                <a:ea typeface="Times New Roman" pitchFamily="18" charset="0"/>
+                <a:cs typeface="Times New Roman" pitchFamily="18" charset="0"/>
+              </a:rPr>
+              <a:t> </a:t>
+            </a:r>
+            <a:r>
+              <a:rPr lang="en-US" sz="6600" b="1" dirty="0" err="1">
+                <a:solidFill>
+                  <a:prstClr val="black"/>
+                </a:solidFill>
+                <a:effectLst>
+                  <a:glow rad="127000">
+                    <a:prstClr val="white"/>
+                  </a:glow>
+                </a:effectLst>
+                <a:latin typeface="VNI-Times" pitchFamily="2" charset="0"/>
+                <a:ea typeface="Times New Roman" pitchFamily="18" charset="0"/>
+                <a:cs typeface="Times New Roman" pitchFamily="18" charset="0"/>
+              </a:rPr>
+              <a:t>tröôùc</a:t>
+            </a:r>
+            <a:r>
+              <a:rPr lang="en-US" sz="6600" b="1" dirty="0">
+                <a:solidFill>
+                  <a:prstClr val="black"/>
+                </a:solidFill>
+                <a:effectLst>
+                  <a:glow rad="127000">
+                    <a:prstClr val="white"/>
+                  </a:glow>
+                </a:effectLst>
+                <a:latin typeface="VNI-Times" pitchFamily="2" charset="0"/>
+                <a:ea typeface="Times New Roman" pitchFamily="18" charset="0"/>
+                <a:cs typeface="Times New Roman" pitchFamily="18" charset="0"/>
+              </a:rPr>
+              <a:t> </a:t>
             </a:r>
             <a:br>
-              <a:rPr lang="en-US" sz="6600" b="1" smtClean="0">
-                <a:solidFill>
-                  <a:prstClr val="black"/>
-                </a:solidFill>
-                <a:effectLst>
-                  <a:glow rad="127000">
-                    <a:prstClr val="white"/>
-                  </a:glow>
-                </a:effectLst>
-                <a:latin typeface="VNI-Aptima" pitchFamily="2" charset="0"/>
+              <a:rPr lang="en-US" sz="6600" b="1" dirty="0">
+                <a:solidFill>
+                  <a:prstClr val="black"/>
+                </a:solidFill>
+                <a:effectLst>
+                  <a:glow rad="127000">
+                    <a:prstClr val="white"/>
+                  </a:glow>
+                </a:effectLst>
+                <a:latin typeface="VNI-Times" pitchFamily="2" charset="0"/>
                 <a:ea typeface="Times New Roman" pitchFamily="18" charset="0"/>
                 <a:cs typeface="Times New Roman" pitchFamily="18" charset="0"/>
               </a:rPr>
             </a:br>
             <a:r>
-              <a:rPr lang="en-US" sz="6600" b="1" smtClean="0">
-                <a:solidFill>
-                  <a:prstClr val="black"/>
-                </a:solidFill>
-                <a:effectLst>
-                  <a:glow rad="127000">
-                    <a:prstClr val="white"/>
-                  </a:glow>
-                </a:effectLst>
-                <a:latin typeface="VNI-Aptima" pitchFamily="2" charset="0"/>
-                <a:ea typeface="Times New Roman" pitchFamily="18" charset="0"/>
-                <a:cs typeface="Times New Roman" pitchFamily="18" charset="0"/>
-              </a:rPr>
-              <a:t>ngoâi </a:t>
-            </a:r>
-            <a:r>
-              <a:rPr lang="en-US" sz="6600" b="1">
-                <a:solidFill>
-                  <a:prstClr val="black"/>
-                </a:solidFill>
-                <a:effectLst>
-                  <a:glow rad="127000">
-                    <a:prstClr val="white"/>
-                  </a:glow>
-                </a:effectLst>
-                <a:latin typeface="VNI-Aptima" pitchFamily="2" charset="0"/>
-                <a:ea typeface="Times New Roman" pitchFamily="18" charset="0"/>
-                <a:cs typeface="Times New Roman" pitchFamily="18" charset="0"/>
-              </a:rPr>
-              <a:t>Thaùnh Ngaøi. </a:t>
+              <a:rPr lang="en-US" sz="6600" b="1" dirty="0" err="1">
+                <a:solidFill>
+                  <a:prstClr val="black"/>
+                </a:solidFill>
+                <a:effectLst>
+                  <a:glow rad="127000">
+                    <a:prstClr val="white"/>
+                  </a:glow>
+                </a:effectLst>
+                <a:latin typeface="VNI-Times" pitchFamily="2" charset="0"/>
+                <a:ea typeface="Times New Roman" pitchFamily="18" charset="0"/>
+                <a:cs typeface="Times New Roman" pitchFamily="18" charset="0"/>
+              </a:rPr>
+              <a:t>ngoâi</a:t>
+            </a:r>
+            <a:r>
+              <a:rPr lang="en-US" sz="6600" b="1" dirty="0">
+                <a:solidFill>
+                  <a:prstClr val="black"/>
+                </a:solidFill>
+                <a:effectLst>
+                  <a:glow rad="127000">
+                    <a:prstClr val="white"/>
+                  </a:glow>
+                </a:effectLst>
+                <a:latin typeface="VNI-Times" pitchFamily="2" charset="0"/>
+                <a:ea typeface="Times New Roman" pitchFamily="18" charset="0"/>
+                <a:cs typeface="Times New Roman" pitchFamily="18" charset="0"/>
+              </a:rPr>
+              <a:t> </a:t>
+            </a:r>
+            <a:r>
+              <a:rPr lang="en-US" sz="6600" b="1" dirty="0" err="1">
+                <a:solidFill>
+                  <a:prstClr val="black"/>
+                </a:solidFill>
+                <a:effectLst>
+                  <a:glow rad="127000">
+                    <a:prstClr val="white"/>
+                  </a:glow>
+                </a:effectLst>
+                <a:latin typeface="VNI-Times" pitchFamily="2" charset="0"/>
+                <a:ea typeface="Times New Roman" pitchFamily="18" charset="0"/>
+                <a:cs typeface="Times New Roman" pitchFamily="18" charset="0"/>
+              </a:rPr>
+              <a:t>Thaùnh</a:t>
+            </a:r>
+            <a:r>
+              <a:rPr lang="en-US" sz="6600" b="1" dirty="0">
+                <a:solidFill>
+                  <a:prstClr val="black"/>
+                </a:solidFill>
+                <a:effectLst>
+                  <a:glow rad="127000">
+                    <a:prstClr val="white"/>
+                  </a:glow>
+                </a:effectLst>
+                <a:latin typeface="VNI-Times" pitchFamily="2" charset="0"/>
+                <a:ea typeface="Times New Roman" pitchFamily="18" charset="0"/>
+                <a:cs typeface="Times New Roman" pitchFamily="18" charset="0"/>
+              </a:rPr>
+              <a:t> </a:t>
+            </a:r>
+            <a:r>
+              <a:rPr lang="en-US" sz="6600" b="1" dirty="0" err="1">
+                <a:solidFill>
+                  <a:prstClr val="black"/>
+                </a:solidFill>
+                <a:effectLst>
+                  <a:glow rad="127000">
+                    <a:prstClr val="white"/>
+                  </a:glow>
+                </a:effectLst>
+                <a:latin typeface="VNI-Times" pitchFamily="2" charset="0"/>
+                <a:ea typeface="Times New Roman" pitchFamily="18" charset="0"/>
+                <a:cs typeface="Times New Roman" pitchFamily="18" charset="0"/>
+              </a:rPr>
+              <a:t>Ngaøi</a:t>
+            </a:r>
+            <a:r>
+              <a:rPr lang="en-US" sz="6600" b="1" dirty="0">
+                <a:solidFill>
+                  <a:prstClr val="black"/>
+                </a:solidFill>
+                <a:effectLst>
+                  <a:glow rad="127000">
+                    <a:prstClr val="white"/>
+                  </a:glow>
+                </a:effectLst>
+                <a:latin typeface="VNI-Times" pitchFamily="2" charset="0"/>
+                <a:ea typeface="Times New Roman" pitchFamily="18" charset="0"/>
+                <a:cs typeface="Times New Roman" pitchFamily="18" charset="0"/>
+              </a:rPr>
+              <a:t>. </a:t>
             </a:r>
           </a:p>
         </p:txBody>
@@ -2242,13 +2922,6 @@
   <p:transition spd="slow">
     <p:randomBar dir="vert"/>
   </p:transition>
-  <p:timing>
-    <p:tnLst>
-      <p:par>
-        <p:cTn id="1" dur="indefinite" restart="never" nodeType="tmRoot"/>
-      </p:par>
-    </p:tnLst>
-  </p:timing>
 </p:sld>
 </file>
 
@@ -2312,20 +2985,100 @@
               </a:spcAft>
             </a:pPr>
             <a:r>
-              <a:rPr lang="en-US" sz="6600" b="1">
-                <a:solidFill>
-                  <a:prstClr val="black"/>
-                </a:solidFill>
-                <a:effectLst>
-                  <a:glow rad="127000">
-                    <a:prstClr val="white"/>
-                  </a:glow>
-                </a:effectLst>
-                <a:latin typeface="VNI-Aptima" pitchFamily="2" charset="0"/>
-                <a:ea typeface="Times New Roman" pitchFamily="18" charset="0"/>
-                <a:cs typeface="Times New Roman" pitchFamily="18" charset="0"/>
-              </a:rPr>
-              <a:t>Vì con luoân muoán </a:t>
+              <a:rPr lang="en-US" sz="6600" b="1" dirty="0" err="1">
+                <a:solidFill>
+                  <a:prstClr val="black"/>
+                </a:solidFill>
+                <a:effectLst>
+                  <a:glow rad="127000">
+                    <a:prstClr val="white"/>
+                  </a:glow>
+                </a:effectLst>
+                <a:latin typeface="VNI-Times" pitchFamily="2" charset="0"/>
+                <a:ea typeface="Times New Roman" pitchFamily="18" charset="0"/>
+                <a:cs typeface="Times New Roman" pitchFamily="18" charset="0"/>
+              </a:rPr>
+              <a:t>Vì</a:t>
+            </a:r>
+            <a:r>
+              <a:rPr lang="en-US" sz="6600" b="1" dirty="0">
+                <a:solidFill>
+                  <a:prstClr val="black"/>
+                </a:solidFill>
+                <a:effectLst>
+                  <a:glow rad="127000">
+                    <a:prstClr val="white"/>
+                  </a:glow>
+                </a:effectLst>
+                <a:latin typeface="VNI-Times" pitchFamily="2" charset="0"/>
+                <a:ea typeface="Times New Roman" pitchFamily="18" charset="0"/>
+                <a:cs typeface="Times New Roman" pitchFamily="18" charset="0"/>
+              </a:rPr>
+              <a:t> con </a:t>
+            </a:r>
+            <a:r>
+              <a:rPr lang="en-US" sz="6600" b="1" dirty="0" err="1">
+                <a:solidFill>
+                  <a:prstClr val="black"/>
+                </a:solidFill>
+                <a:effectLst>
+                  <a:glow rad="127000">
+                    <a:prstClr val="white"/>
+                  </a:glow>
+                </a:effectLst>
+                <a:latin typeface="VNI-Times" pitchFamily="2" charset="0"/>
+                <a:ea typeface="Times New Roman" pitchFamily="18" charset="0"/>
+                <a:cs typeface="Times New Roman" pitchFamily="18" charset="0"/>
+              </a:rPr>
+              <a:t>luoân</a:t>
+            </a:r>
+            <a:r>
+              <a:rPr lang="en-US" sz="6600" b="1" dirty="0">
+                <a:solidFill>
+                  <a:prstClr val="black"/>
+                </a:solidFill>
+                <a:effectLst>
+                  <a:glow rad="127000">
+                    <a:prstClr val="white"/>
+                  </a:glow>
+                </a:effectLst>
+                <a:latin typeface="VNI-Times" pitchFamily="2" charset="0"/>
+                <a:ea typeface="Times New Roman" pitchFamily="18" charset="0"/>
+                <a:cs typeface="Times New Roman" pitchFamily="18" charset="0"/>
+              </a:rPr>
+              <a:t> </a:t>
+            </a:r>
+            <a:r>
+              <a:rPr lang="en-US" sz="6600" b="1" dirty="0" err="1">
+                <a:solidFill>
+                  <a:prstClr val="black"/>
+                </a:solidFill>
+                <a:effectLst>
+                  <a:glow rad="127000">
+                    <a:prstClr val="white"/>
+                  </a:glow>
+                </a:effectLst>
+                <a:latin typeface="VNI-Times" pitchFamily="2" charset="0"/>
+                <a:ea typeface="Times New Roman" pitchFamily="18" charset="0"/>
+                <a:cs typeface="Times New Roman" pitchFamily="18" charset="0"/>
+              </a:rPr>
+              <a:t>muoán</a:t>
+            </a:r>
+            <a:r>
+              <a:rPr lang="en-US" sz="6600" b="1" dirty="0">
+                <a:solidFill>
+                  <a:prstClr val="black"/>
+                </a:solidFill>
+                <a:effectLst>
+                  <a:glow rad="127000">
+                    <a:prstClr val="white"/>
+                  </a:glow>
+                </a:effectLst>
+                <a:latin typeface="VNI-Times" pitchFamily="2" charset="0"/>
+                <a:ea typeface="Times New Roman" pitchFamily="18" charset="0"/>
+                <a:cs typeface="Times New Roman" pitchFamily="18" charset="0"/>
+              </a:rPr>
+              <a:t> </a:t>
             </a:r>
           </a:p>
           <a:p>
@@ -2338,97 +3091,244 @@
               </a:spcAft>
             </a:pPr>
             <a:r>
-              <a:rPr lang="en-US" sz="6600" b="1">
-                <a:solidFill>
-                  <a:prstClr val="black"/>
-                </a:solidFill>
-                <a:effectLst>
-                  <a:glow rad="127000">
-                    <a:prstClr val="white"/>
-                  </a:glow>
-                </a:effectLst>
-                <a:latin typeface="VNI-Aptima" pitchFamily="2" charset="0"/>
-                <a:ea typeface="Times New Roman" pitchFamily="18" charset="0"/>
-                <a:cs typeface="Times New Roman" pitchFamily="18" charset="0"/>
-              </a:rPr>
-              <a:t>beân Ngaøi taïi </a:t>
-            </a:r>
-            <a:r>
-              <a:rPr lang="en-US" sz="6600" b="1">
-                <a:solidFill>
-                  <a:prstClr val="black"/>
-                </a:solidFill>
-                <a:effectLst>
-                  <a:glow rad="127000">
-                    <a:prstClr val="white"/>
-                  </a:glow>
-                </a:effectLst>
-                <a:latin typeface="VNI-Aptima" pitchFamily="2" charset="0"/>
-                <a:ea typeface="Times New Roman" pitchFamily="18" charset="0"/>
-                <a:cs typeface="Times New Roman" pitchFamily="18" charset="0"/>
-              </a:rPr>
-              <a:t>chính </a:t>
-            </a:r>
-            <a:r>
-              <a:rPr lang="en-US" sz="6600" b="1" smtClean="0">
-                <a:solidFill>
-                  <a:prstClr val="black"/>
-                </a:solidFill>
-                <a:effectLst>
-                  <a:glow rad="127000">
-                    <a:prstClr val="white"/>
-                  </a:glow>
-                </a:effectLst>
-                <a:latin typeface="VNI-Aptima" pitchFamily="2" charset="0"/>
-                <a:ea typeface="Times New Roman" pitchFamily="18" charset="0"/>
-                <a:cs typeface="Times New Roman" pitchFamily="18" charset="0"/>
-              </a:rPr>
-              <a:t/>
+              <a:rPr lang="en-US" sz="6600" b="1" dirty="0" err="1">
+                <a:solidFill>
+                  <a:prstClr val="black"/>
+                </a:solidFill>
+                <a:effectLst>
+                  <a:glow rad="127000">
+                    <a:prstClr val="white"/>
+                  </a:glow>
+                </a:effectLst>
+                <a:latin typeface="VNI-Times" pitchFamily="2" charset="0"/>
+                <a:ea typeface="Times New Roman" pitchFamily="18" charset="0"/>
+                <a:cs typeface="Times New Roman" pitchFamily="18" charset="0"/>
+              </a:rPr>
+              <a:t>beân</a:t>
+            </a:r>
+            <a:r>
+              <a:rPr lang="en-US" sz="6600" b="1" dirty="0">
+                <a:solidFill>
+                  <a:prstClr val="black"/>
+                </a:solidFill>
+                <a:effectLst>
+                  <a:glow rad="127000">
+                    <a:prstClr val="white"/>
+                  </a:glow>
+                </a:effectLst>
+                <a:latin typeface="VNI-Times" pitchFamily="2" charset="0"/>
+                <a:ea typeface="Times New Roman" pitchFamily="18" charset="0"/>
+                <a:cs typeface="Times New Roman" pitchFamily="18" charset="0"/>
+              </a:rPr>
+              <a:t> </a:t>
+            </a:r>
+            <a:r>
+              <a:rPr lang="en-US" sz="6600" b="1" dirty="0" err="1">
+                <a:solidFill>
+                  <a:prstClr val="black"/>
+                </a:solidFill>
+                <a:effectLst>
+                  <a:glow rad="127000">
+                    <a:prstClr val="white"/>
+                  </a:glow>
+                </a:effectLst>
+                <a:latin typeface="VNI-Times" pitchFamily="2" charset="0"/>
+                <a:ea typeface="Times New Roman" pitchFamily="18" charset="0"/>
+                <a:cs typeface="Times New Roman" pitchFamily="18" charset="0"/>
+              </a:rPr>
+              <a:t>Ngaøi</a:t>
+            </a:r>
+            <a:r>
+              <a:rPr lang="en-US" sz="6600" b="1" dirty="0">
+                <a:solidFill>
+                  <a:prstClr val="black"/>
+                </a:solidFill>
+                <a:effectLst>
+                  <a:glow rad="127000">
+                    <a:prstClr val="white"/>
+                  </a:glow>
+                </a:effectLst>
+                <a:latin typeface="VNI-Times" pitchFamily="2" charset="0"/>
+                <a:ea typeface="Times New Roman" pitchFamily="18" charset="0"/>
+                <a:cs typeface="Times New Roman" pitchFamily="18" charset="0"/>
+              </a:rPr>
+              <a:t> </a:t>
+            </a:r>
+            <a:r>
+              <a:rPr lang="en-US" sz="6600" b="1" dirty="0" err="1">
+                <a:solidFill>
+                  <a:prstClr val="black"/>
+                </a:solidFill>
+                <a:effectLst>
+                  <a:glow rad="127000">
+                    <a:prstClr val="white"/>
+                  </a:glow>
+                </a:effectLst>
+                <a:latin typeface="VNI-Times" pitchFamily="2" charset="0"/>
+                <a:ea typeface="Times New Roman" pitchFamily="18" charset="0"/>
+                <a:cs typeface="Times New Roman" pitchFamily="18" charset="0"/>
+              </a:rPr>
+              <a:t>taïi</a:t>
+            </a:r>
+            <a:r>
+              <a:rPr lang="en-US" sz="6600" b="1" dirty="0">
+                <a:solidFill>
+                  <a:prstClr val="black"/>
+                </a:solidFill>
+                <a:effectLst>
+                  <a:glow rad="127000">
+                    <a:prstClr val="white"/>
+                  </a:glow>
+                </a:effectLst>
+                <a:latin typeface="VNI-Times" pitchFamily="2" charset="0"/>
+                <a:ea typeface="Times New Roman" pitchFamily="18" charset="0"/>
+                <a:cs typeface="Times New Roman" pitchFamily="18" charset="0"/>
+              </a:rPr>
+              <a:t> </a:t>
+            </a:r>
+            <a:r>
+              <a:rPr lang="en-US" sz="6600" b="1" dirty="0" err="1">
+                <a:solidFill>
+                  <a:prstClr val="black"/>
+                </a:solidFill>
+                <a:effectLst>
+                  <a:glow rad="127000">
+                    <a:prstClr val="white"/>
+                  </a:glow>
+                </a:effectLst>
+                <a:latin typeface="VNI-Times" pitchFamily="2" charset="0"/>
+                <a:ea typeface="Times New Roman" pitchFamily="18" charset="0"/>
+                <a:cs typeface="Times New Roman" pitchFamily="18" charset="0"/>
+              </a:rPr>
+              <a:t>chính</a:t>
+            </a:r>
+            <a:r>
+              <a:rPr lang="en-US" sz="6600" b="1" dirty="0">
+                <a:solidFill>
+                  <a:prstClr val="black"/>
+                </a:solidFill>
+                <a:effectLst>
+                  <a:glow rad="127000">
+                    <a:prstClr val="white"/>
+                  </a:glow>
+                </a:effectLst>
+                <a:latin typeface="VNI-Times" pitchFamily="2" charset="0"/>
+                <a:ea typeface="Times New Roman" pitchFamily="18" charset="0"/>
+                <a:cs typeface="Times New Roman" pitchFamily="18" charset="0"/>
+              </a:rPr>
+              <a:t> </a:t>
             </a:r>
             <a:br>
-              <a:rPr lang="en-US" sz="6600" b="1" smtClean="0">
-                <a:solidFill>
-                  <a:prstClr val="black"/>
-                </a:solidFill>
-                <a:effectLst>
-                  <a:glow rad="127000">
-                    <a:prstClr val="white"/>
-                  </a:glow>
-                </a:effectLst>
-                <a:latin typeface="VNI-Aptima" pitchFamily="2" charset="0"/>
+              <a:rPr lang="en-US" sz="6600" b="1" dirty="0">
+                <a:solidFill>
+                  <a:prstClr val="black"/>
+                </a:solidFill>
+                <a:effectLst>
+                  <a:glow rad="127000">
+                    <a:prstClr val="white"/>
+                  </a:glow>
+                </a:effectLst>
+                <a:latin typeface="VNI-Times" pitchFamily="2" charset="0"/>
                 <a:ea typeface="Times New Roman" pitchFamily="18" charset="0"/>
                 <a:cs typeface="Times New Roman" pitchFamily="18" charset="0"/>
               </a:rPr>
             </a:br>
             <a:r>
-              <a:rPr lang="en-US" sz="6600" b="1" smtClean="0">
-                <a:solidFill>
-                  <a:prstClr val="black"/>
-                </a:solidFill>
-                <a:effectLst>
-                  <a:glow rad="127000">
-                    <a:prstClr val="white"/>
-                  </a:glow>
-                </a:effectLst>
-                <a:latin typeface="VNI-Aptima" pitchFamily="2" charset="0"/>
-                <a:ea typeface="Times New Roman" pitchFamily="18" charset="0"/>
-                <a:cs typeface="Times New Roman" pitchFamily="18" charset="0"/>
-              </a:rPr>
-              <a:t>nôi Thaùnh naøy.</a:t>
-            </a:r>
-            <a:endParaRPr lang="en-US" sz="6600" b="1">
-              <a:solidFill>
-                <a:prstClr val="black"/>
-              </a:solidFill>
-              <a:effectLst>
-                <a:glow rad="127000">
-                  <a:prstClr val="white"/>
-                </a:glow>
-              </a:effectLst>
-              <a:latin typeface="VNI-Aptima" pitchFamily="2" charset="0"/>
-              <a:ea typeface="Times New Roman" pitchFamily="18" charset="0"/>
-              <a:cs typeface="Times New Roman" pitchFamily="18" charset="0"/>
-            </a:endParaRPr>
+              <a:rPr lang="en-US" sz="6600" b="1" dirty="0" err="1">
+                <a:solidFill>
+                  <a:prstClr val="black"/>
+                </a:solidFill>
+                <a:effectLst>
+                  <a:glow rad="127000">
+                    <a:prstClr val="white"/>
+                  </a:glow>
+                </a:effectLst>
+                <a:latin typeface="VNI-Times" pitchFamily="2" charset="0"/>
+                <a:ea typeface="Times New Roman" pitchFamily="18" charset="0"/>
+                <a:cs typeface="Times New Roman" pitchFamily="18" charset="0"/>
+              </a:rPr>
+              <a:t>nôi</a:t>
+            </a:r>
+            <a:r>
+              <a:rPr lang="en-US" sz="6600" b="1" dirty="0">
+                <a:solidFill>
+                  <a:prstClr val="black"/>
+                </a:solidFill>
+                <a:effectLst>
+                  <a:glow rad="127000">
+                    <a:prstClr val="white"/>
+                  </a:glow>
+                </a:effectLst>
+                <a:latin typeface="VNI-Times" pitchFamily="2" charset="0"/>
+                <a:ea typeface="Times New Roman" pitchFamily="18" charset="0"/>
+                <a:cs typeface="Times New Roman" pitchFamily="18" charset="0"/>
+              </a:rPr>
+              <a:t> </a:t>
+            </a:r>
+            <a:r>
+              <a:rPr lang="en-US" sz="6600" b="1" dirty="0" err="1">
+                <a:solidFill>
+                  <a:prstClr val="black"/>
+                </a:solidFill>
+                <a:effectLst>
+                  <a:glow rad="127000">
+                    <a:prstClr val="white"/>
+                  </a:glow>
+                </a:effectLst>
+                <a:latin typeface="VNI-Times" pitchFamily="2" charset="0"/>
+                <a:ea typeface="Times New Roman" pitchFamily="18" charset="0"/>
+                <a:cs typeface="Times New Roman" pitchFamily="18" charset="0"/>
+              </a:rPr>
+              <a:t>Thaùnh</a:t>
+            </a:r>
+            <a:r>
+              <a:rPr lang="en-US" sz="6600" b="1" dirty="0">
+                <a:solidFill>
+                  <a:prstClr val="black"/>
+                </a:solidFill>
+                <a:effectLst>
+                  <a:glow rad="127000">
+                    <a:prstClr val="white"/>
+                  </a:glow>
+                </a:effectLst>
+                <a:latin typeface="VNI-Times" pitchFamily="2" charset="0"/>
+                <a:ea typeface="Times New Roman" pitchFamily="18" charset="0"/>
+                <a:cs typeface="Times New Roman" pitchFamily="18" charset="0"/>
+              </a:rPr>
+              <a:t> </a:t>
+            </a:r>
+            <a:r>
+              <a:rPr lang="en-US" sz="6600" b="1" dirty="0" err="1">
+                <a:solidFill>
+                  <a:prstClr val="black"/>
+                </a:solidFill>
+                <a:effectLst>
+                  <a:glow rad="127000">
+                    <a:prstClr val="white"/>
+                  </a:glow>
+                </a:effectLst>
+                <a:latin typeface="VNI-Times" pitchFamily="2" charset="0"/>
+                <a:ea typeface="Times New Roman" pitchFamily="18" charset="0"/>
+                <a:cs typeface="Times New Roman" pitchFamily="18" charset="0"/>
+              </a:rPr>
+              <a:t>naøy</a:t>
+            </a:r>
+            <a:r>
+              <a:rPr lang="en-US" sz="6600" b="1" dirty="0">
+                <a:solidFill>
+                  <a:prstClr val="black"/>
+                </a:solidFill>
+                <a:effectLst>
+                  <a:glow rad="127000">
+                    <a:prstClr val="white"/>
+                  </a:glow>
+                </a:effectLst>
+                <a:latin typeface="VNI-Times" pitchFamily="2" charset="0"/>
+                <a:ea typeface="Times New Roman" pitchFamily="18" charset="0"/>
+                <a:cs typeface="Times New Roman" pitchFamily="18" charset="0"/>
+              </a:rPr>
+              <a:t>.</a:t>
+            </a:r>
           </a:p>
         </p:txBody>
       </p:sp>
@@ -2456,26 +3356,246 @@
           <a:p>
             <a:pPr algn="ctr"/>
             <a:r>
-              <a:rPr lang="en-US" sz="4000" b="1" spc="-150" smtClean="0">
-                <a:ln w="11430"/>
-                <a:solidFill>
-                  <a:srgbClr val="FFFF00"/>
-                </a:solidFill>
-                <a:effectLst>
-                  <a:glow rad="127000">
-                    <a:prstClr val="black"/>
-                  </a:glow>
-                  <a:outerShdw blurRad="50800" dist="39000" dir="5460000" algn="tl">
-                    <a:srgbClr val="000000">
-                      <a:alpha val="38000"/>
-                    </a:srgbClr>
-                  </a:outerShdw>
-                </a:effectLst>
-                <a:latin typeface="HP-Bank" panose="020B0603050302020204" pitchFamily="34" charset="0"/>
-              </a:rPr>
-              <a:t>con chæ mong toân cao danh ngaøi</a:t>
-            </a:r>
-            <a:endParaRPr lang="en-US" sz="4000" b="1" spc="-150" smtClean="0">
+              <a:rPr lang="en-US" sz="4000" b="1" spc="-150" dirty="0">
+                <a:ln w="11430"/>
+                <a:solidFill>
+                  <a:srgbClr val="FFFF00"/>
+                </a:solidFill>
+                <a:effectLst>
+                  <a:glow rad="127000">
+                    <a:prstClr val="black"/>
+                  </a:glow>
+                  <a:outerShdw blurRad="50800" dist="39000" dir="5460000" algn="tl">
+                    <a:srgbClr val="000000">
+                      <a:alpha val="38000"/>
+                    </a:srgbClr>
+                  </a:outerShdw>
+                </a:effectLst>
+                <a:latin typeface="VNI-Times" pitchFamily="2" charset="0"/>
+              </a:rPr>
+              <a:t>con </a:t>
+            </a:r>
+            <a:r>
+              <a:rPr lang="en-US" sz="4000" b="1" spc="-150" dirty="0" err="1">
+                <a:ln w="11430"/>
+                <a:solidFill>
+                  <a:srgbClr val="FFFF00"/>
+                </a:solidFill>
+                <a:effectLst>
+                  <a:glow rad="127000">
+                    <a:prstClr val="black"/>
+                  </a:glow>
+                  <a:outerShdw blurRad="50800" dist="39000" dir="5460000" algn="tl">
+                    <a:srgbClr val="000000">
+                      <a:alpha val="38000"/>
+                    </a:srgbClr>
+                  </a:outerShdw>
+                </a:effectLst>
+                <a:latin typeface="VNI-Times" pitchFamily="2" charset="0"/>
+              </a:rPr>
+              <a:t>chæ</a:t>
+            </a:r>
+            <a:r>
+              <a:rPr lang="en-US" sz="4000" b="1" spc="-150" dirty="0">
+                <a:ln w="11430"/>
+                <a:solidFill>
+                  <a:srgbClr val="FFFF00"/>
+                </a:solidFill>
+                <a:effectLst>
+                  <a:glow rad="127000">
+                    <a:prstClr val="black"/>
+                  </a:glow>
+                  <a:outerShdw blurRad="50800" dist="39000" dir="5460000" algn="tl">
+                    <a:srgbClr val="000000">
+                      <a:alpha val="38000"/>
+                    </a:srgbClr>
+                  </a:outerShdw>
+                </a:effectLst>
+                <a:latin typeface="VNI-Times" pitchFamily="2" charset="0"/>
+              </a:rPr>
+              <a:t> </a:t>
+            </a:r>
+            <a:r>
+              <a:rPr lang="en-US" sz="4000" b="1" spc="-150" dirty="0" err="1">
+                <a:ln w="11430"/>
+                <a:solidFill>
+                  <a:srgbClr val="FFFF00"/>
+                </a:solidFill>
+                <a:effectLst>
+                  <a:glow rad="127000">
+                    <a:prstClr val="black"/>
+                  </a:glow>
+                  <a:outerShdw blurRad="50800" dist="39000" dir="5460000" algn="tl">
+                    <a:srgbClr val="000000">
+                      <a:alpha val="38000"/>
+                    </a:srgbClr>
+                  </a:outerShdw>
+                </a:effectLst>
+                <a:latin typeface="VNI-Times" pitchFamily="2" charset="0"/>
+              </a:rPr>
+              <a:t>mong</a:t>
+            </a:r>
+            <a:r>
+              <a:rPr lang="en-US" sz="4000" b="1" spc="-150" dirty="0">
+                <a:ln w="11430"/>
+                <a:solidFill>
+                  <a:srgbClr val="FFFF00"/>
+                </a:solidFill>
+                <a:effectLst>
+                  <a:glow rad="127000">
+                    <a:prstClr val="black"/>
+                  </a:glow>
+                  <a:outerShdw blurRad="50800" dist="39000" dir="5460000" algn="tl">
+                    <a:srgbClr val="000000">
+                      <a:alpha val="38000"/>
+                    </a:srgbClr>
+                  </a:outerShdw>
+                </a:effectLst>
+                <a:latin typeface="VNI-Times" pitchFamily="2" charset="0"/>
+              </a:rPr>
+              <a:t> </a:t>
+            </a:r>
+            <a:r>
+              <a:rPr lang="en-US" sz="4000" b="1" spc="-150" dirty="0" err="1">
+                <a:ln w="11430"/>
+                <a:solidFill>
+                  <a:srgbClr val="FFFF00"/>
+                </a:solidFill>
+                <a:effectLst>
+                  <a:glow rad="127000">
+                    <a:prstClr val="black"/>
+                  </a:glow>
+                  <a:outerShdw blurRad="50800" dist="39000" dir="5460000" algn="tl">
+                    <a:srgbClr val="000000">
+                      <a:alpha val="38000"/>
+                    </a:srgbClr>
+                  </a:outerShdw>
+                </a:effectLst>
+                <a:latin typeface="VNI-Times" pitchFamily="2" charset="0"/>
+              </a:rPr>
+              <a:t>toân</a:t>
+            </a:r>
+            <a:r>
+              <a:rPr lang="en-US" sz="4000" b="1" spc="-150" dirty="0">
+                <a:ln w="11430"/>
+                <a:solidFill>
+                  <a:srgbClr val="FFFF00"/>
+                </a:solidFill>
+                <a:effectLst>
+                  <a:glow rad="127000">
+                    <a:prstClr val="black"/>
+                  </a:glow>
+                  <a:outerShdw blurRad="50800" dist="39000" dir="5460000" algn="tl">
+                    <a:srgbClr val="000000">
+                      <a:alpha val="38000"/>
+                    </a:srgbClr>
+                  </a:outerShdw>
+                </a:effectLst>
+                <a:latin typeface="VNI-Times" pitchFamily="2" charset="0"/>
+              </a:rPr>
+              <a:t> </a:t>
+            </a:r>
+            <a:r>
+              <a:rPr lang="en-US" sz="4000" b="1" spc="-150" dirty="0" err="1">
+                <a:ln w="11430"/>
+                <a:solidFill>
+                  <a:srgbClr val="FFFF00"/>
+                </a:solidFill>
+                <a:effectLst>
+                  <a:glow rad="127000">
+                    <a:prstClr val="black"/>
+                  </a:glow>
+                  <a:outerShdw blurRad="50800" dist="39000" dir="5460000" algn="tl">
+                    <a:srgbClr val="000000">
+                      <a:alpha val="38000"/>
+                    </a:srgbClr>
+                  </a:outerShdw>
+                </a:effectLst>
+                <a:latin typeface="VNI-Times" pitchFamily="2" charset="0"/>
+              </a:rPr>
+              <a:t>cao</a:t>
+            </a:r>
+            <a:r>
+              <a:rPr lang="en-US" sz="4000" b="1" spc="-150" dirty="0">
+                <a:ln w="11430"/>
+                <a:solidFill>
+                  <a:srgbClr val="FFFF00"/>
+                </a:solidFill>
+                <a:effectLst>
+                  <a:glow rad="127000">
+                    <a:prstClr val="black"/>
+                  </a:glow>
+                  <a:outerShdw blurRad="50800" dist="39000" dir="5460000" algn="tl">
+                    <a:srgbClr val="000000">
+                      <a:alpha val="38000"/>
+                    </a:srgbClr>
+                  </a:outerShdw>
+                </a:effectLst>
+                <a:latin typeface="VNI-Times" pitchFamily="2" charset="0"/>
+              </a:rPr>
+              <a:t> </a:t>
+            </a:r>
+            <a:r>
+              <a:rPr lang="en-US" sz="4000" b="1" spc="-150" dirty="0" err="1">
+                <a:ln w="11430"/>
+                <a:solidFill>
+                  <a:srgbClr val="FFFF00"/>
+                </a:solidFill>
+                <a:effectLst>
+                  <a:glow rad="127000">
+                    <a:prstClr val="black"/>
+                  </a:glow>
+                  <a:outerShdw blurRad="50800" dist="39000" dir="5460000" algn="tl">
+                    <a:srgbClr val="000000">
+                      <a:alpha val="38000"/>
+                    </a:srgbClr>
+                  </a:outerShdw>
+                </a:effectLst>
+                <a:latin typeface="VNI-Times" pitchFamily="2" charset="0"/>
+              </a:rPr>
+              <a:t>danh</a:t>
+            </a:r>
+            <a:r>
+              <a:rPr lang="en-US" sz="4000" b="1" spc="-150" dirty="0">
+                <a:ln w="11430"/>
+                <a:solidFill>
+                  <a:srgbClr val="FFFF00"/>
+                </a:solidFill>
+                <a:effectLst>
+                  <a:glow rad="127000">
+                    <a:prstClr val="black"/>
+                  </a:glow>
+                  <a:outerShdw blurRad="50800" dist="39000" dir="5460000" algn="tl">
+                    <a:srgbClr val="000000">
+                      <a:alpha val="38000"/>
+                    </a:srgbClr>
+                  </a:outerShdw>
+                </a:effectLst>
+                <a:latin typeface="VNI-Times" pitchFamily="2" charset="0"/>
+              </a:rPr>
+              <a:t> </a:t>
+            </a:r>
+            <a:r>
+              <a:rPr lang="en-US" sz="4000" b="1" spc="-150" dirty="0" err="1">
+                <a:ln w="11430"/>
+                <a:solidFill>
+                  <a:srgbClr val="FFFF00"/>
+                </a:solidFill>
+                <a:effectLst>
+                  <a:glow rad="127000">
+                    <a:prstClr val="black"/>
+                  </a:glow>
+                  <a:outerShdw blurRad="50800" dist="39000" dir="5460000" algn="tl">
+                    <a:srgbClr val="000000">
+                      <a:alpha val="38000"/>
+                    </a:srgbClr>
+                  </a:outerShdw>
+                </a:effectLst>
+                <a:latin typeface="VNI-Times" pitchFamily="2" charset="0"/>
+              </a:rPr>
+              <a:t>ngaøi</a:t>
+            </a:r>
+            <a:endParaRPr lang="en-US" sz="4000" b="1" spc="-150" dirty="0">
               <a:ln w="11430"/>
               <a:solidFill>
                 <a:srgbClr val="FFFF00"/>
@@ -2490,7 +3610,7 @@
                   </a:srgbClr>
                 </a:outerShdw>
               </a:effectLst>
-              <a:latin typeface="HP-Bank" panose="020B0603050302020204" pitchFamily="34" charset="0"/>
+              <a:latin typeface="VNI-Times" pitchFamily="2" charset="0"/>
             </a:endParaRPr>
           </a:p>
         </p:txBody>
@@ -2568,192 +3688,355 @@
               </a:spcAft>
             </a:pPr>
             <a:r>
-              <a:rPr lang="en-US" sz="6600" b="1" smtClean="0">
-                <a:solidFill>
-                  <a:prstClr val="black"/>
-                </a:solidFill>
-                <a:effectLst>
-                  <a:glow rad="127000">
-                    <a:prstClr val="white"/>
-                  </a:glow>
-                </a:effectLst>
-                <a:latin typeface="VNI-Aptima" pitchFamily="2" charset="0"/>
-                <a:ea typeface="Times New Roman" pitchFamily="18" charset="0"/>
-                <a:cs typeface="Times New Roman" pitchFamily="18" charset="0"/>
-              </a:rPr>
-              <a:t>Vaø </a:t>
-            </a:r>
-            <a:r>
-              <a:rPr lang="en-US" sz="6600" b="1">
-                <a:solidFill>
-                  <a:prstClr val="black"/>
-                </a:solidFill>
-                <a:effectLst>
-                  <a:glow rad="127000">
-                    <a:prstClr val="white"/>
-                  </a:glow>
-                </a:effectLst>
-                <a:latin typeface="VNI-Aptima" pitchFamily="2" charset="0"/>
-                <a:ea typeface="Times New Roman" pitchFamily="18" charset="0"/>
-                <a:cs typeface="Times New Roman" pitchFamily="18" charset="0"/>
-              </a:rPr>
-              <a:t>quyø </a:t>
-            </a:r>
-            <a:r>
-              <a:rPr lang="en-US" sz="6600" b="1">
-                <a:solidFill>
-                  <a:prstClr val="black"/>
-                </a:solidFill>
-                <a:effectLst>
-                  <a:glow rad="127000">
-                    <a:prstClr val="white"/>
-                  </a:glow>
-                </a:effectLst>
-                <a:latin typeface="VNI-Aptima" pitchFamily="2" charset="0"/>
-                <a:ea typeface="Times New Roman" pitchFamily="18" charset="0"/>
-                <a:cs typeface="Times New Roman" pitchFamily="18" charset="0"/>
-              </a:rPr>
-              <a:t>ñaây </a:t>
-            </a:r>
-            <a:r>
-              <a:rPr lang="en-US" sz="6600" b="1" smtClean="0">
-                <a:solidFill>
-                  <a:prstClr val="black"/>
-                </a:solidFill>
-                <a:effectLst>
-                  <a:glow rad="127000">
-                    <a:prstClr val="white"/>
-                  </a:glow>
-                </a:effectLst>
-                <a:latin typeface="VNI-Aptima" pitchFamily="2" charset="0"/>
-                <a:ea typeface="Times New Roman" pitchFamily="18" charset="0"/>
-                <a:cs typeface="Times New Roman" pitchFamily="18" charset="0"/>
-              </a:rPr>
-              <a:t>döôùi </a:t>
+              <a:rPr lang="en-US" sz="6600" b="1" dirty="0" err="1">
+                <a:solidFill>
+                  <a:prstClr val="black"/>
+                </a:solidFill>
+                <a:effectLst>
+                  <a:glow rad="127000">
+                    <a:prstClr val="white"/>
+                  </a:glow>
+                </a:effectLst>
+                <a:latin typeface="VNI-Times" pitchFamily="2" charset="0"/>
+                <a:ea typeface="Times New Roman" pitchFamily="18" charset="0"/>
+                <a:cs typeface="Times New Roman" pitchFamily="18" charset="0"/>
+              </a:rPr>
+              <a:t>Vaø</a:t>
+            </a:r>
+            <a:r>
+              <a:rPr lang="en-US" sz="6600" b="1" dirty="0">
+                <a:solidFill>
+                  <a:prstClr val="black"/>
+                </a:solidFill>
+                <a:effectLst>
+                  <a:glow rad="127000">
+                    <a:prstClr val="white"/>
+                  </a:glow>
+                </a:effectLst>
+                <a:latin typeface="VNI-Times" pitchFamily="2" charset="0"/>
+                <a:ea typeface="Times New Roman" pitchFamily="18" charset="0"/>
+                <a:cs typeface="Times New Roman" pitchFamily="18" charset="0"/>
+              </a:rPr>
+              <a:t> </a:t>
+            </a:r>
+            <a:r>
+              <a:rPr lang="en-US" sz="6600" b="1" dirty="0" err="1">
+                <a:solidFill>
+                  <a:prstClr val="black"/>
+                </a:solidFill>
+                <a:effectLst>
+                  <a:glow rad="127000">
+                    <a:prstClr val="white"/>
+                  </a:glow>
+                </a:effectLst>
+                <a:latin typeface="VNI-Times" pitchFamily="2" charset="0"/>
+                <a:ea typeface="Times New Roman" pitchFamily="18" charset="0"/>
+                <a:cs typeface="Times New Roman" pitchFamily="18" charset="0"/>
+              </a:rPr>
+              <a:t>quyø</a:t>
+            </a:r>
+            <a:r>
+              <a:rPr lang="en-US" sz="6600" b="1" dirty="0">
+                <a:solidFill>
+                  <a:prstClr val="black"/>
+                </a:solidFill>
+                <a:effectLst>
+                  <a:glow rad="127000">
+                    <a:prstClr val="white"/>
+                  </a:glow>
+                </a:effectLst>
+                <a:latin typeface="VNI-Times" pitchFamily="2" charset="0"/>
+                <a:ea typeface="Times New Roman" pitchFamily="18" charset="0"/>
+                <a:cs typeface="Times New Roman" pitchFamily="18" charset="0"/>
+              </a:rPr>
+              <a:t> </a:t>
+            </a:r>
+            <a:r>
+              <a:rPr lang="en-US" sz="6600" b="1" dirty="0" err="1">
+                <a:solidFill>
+                  <a:prstClr val="black"/>
+                </a:solidFill>
+                <a:effectLst>
+                  <a:glow rad="127000">
+                    <a:prstClr val="white"/>
+                  </a:glow>
+                </a:effectLst>
+                <a:latin typeface="VNI-Times" pitchFamily="2" charset="0"/>
+                <a:ea typeface="Times New Roman" pitchFamily="18" charset="0"/>
+                <a:cs typeface="Times New Roman" pitchFamily="18" charset="0"/>
+              </a:rPr>
+              <a:t>ñaây</a:t>
+            </a:r>
+            <a:r>
+              <a:rPr lang="en-US" sz="6600" b="1" dirty="0">
+                <a:solidFill>
+                  <a:prstClr val="black"/>
+                </a:solidFill>
+                <a:effectLst>
+                  <a:glow rad="127000">
+                    <a:prstClr val="white"/>
+                  </a:glow>
+                </a:effectLst>
+                <a:latin typeface="VNI-Times" pitchFamily="2" charset="0"/>
+                <a:ea typeface="Times New Roman" pitchFamily="18" charset="0"/>
+                <a:cs typeface="Times New Roman" pitchFamily="18" charset="0"/>
+              </a:rPr>
+              <a:t> </a:t>
+            </a:r>
+            <a:r>
+              <a:rPr lang="en-US" sz="6600" b="1" dirty="0" err="1">
+                <a:solidFill>
+                  <a:prstClr val="black"/>
+                </a:solidFill>
+                <a:effectLst>
+                  <a:glow rad="127000">
+                    <a:prstClr val="white"/>
+                  </a:glow>
+                </a:effectLst>
+                <a:latin typeface="VNI-Times" pitchFamily="2" charset="0"/>
+                <a:ea typeface="Times New Roman" pitchFamily="18" charset="0"/>
+                <a:cs typeface="Times New Roman" pitchFamily="18" charset="0"/>
+              </a:rPr>
+              <a:t>döôùi</a:t>
+            </a:r>
+            <a:r>
+              <a:rPr lang="en-US" sz="6600" b="1" dirty="0">
+                <a:solidFill>
+                  <a:prstClr val="black"/>
+                </a:solidFill>
+                <a:effectLst>
+                  <a:glow rad="127000">
+                    <a:prstClr val="white"/>
+                  </a:glow>
+                </a:effectLst>
+                <a:latin typeface="VNI-Times" pitchFamily="2" charset="0"/>
+                <a:ea typeface="Times New Roman" pitchFamily="18" charset="0"/>
+                <a:cs typeface="Times New Roman" pitchFamily="18" charset="0"/>
+              </a:rPr>
+              <a:t> </a:t>
             </a:r>
             <a:br>
-              <a:rPr lang="en-US" sz="6600" b="1" smtClean="0">
-                <a:solidFill>
-                  <a:prstClr val="black"/>
-                </a:solidFill>
-                <a:effectLst>
-                  <a:glow rad="127000">
-                    <a:prstClr val="white"/>
-                  </a:glow>
-                </a:effectLst>
-                <a:latin typeface="VNI-Aptima" pitchFamily="2" charset="0"/>
+              <a:rPr lang="en-US" sz="6600" b="1" dirty="0">
+                <a:solidFill>
+                  <a:prstClr val="black"/>
+                </a:solidFill>
+                <a:effectLst>
+                  <a:glow rad="127000">
+                    <a:prstClr val="white"/>
+                  </a:glow>
+                </a:effectLst>
+                <a:latin typeface="VNI-Times" pitchFamily="2" charset="0"/>
                 <a:ea typeface="Times New Roman" pitchFamily="18" charset="0"/>
                 <a:cs typeface="Times New Roman" pitchFamily="18" charset="0"/>
               </a:rPr>
             </a:br>
             <a:r>
-              <a:rPr lang="en-US" sz="6600" b="1" smtClean="0">
-                <a:solidFill>
-                  <a:prstClr val="black"/>
-                </a:solidFill>
-                <a:effectLst>
-                  <a:glow rad="127000">
-                    <a:prstClr val="white"/>
-                  </a:glow>
-                </a:effectLst>
-                <a:latin typeface="VNI-Aptima" pitchFamily="2" charset="0"/>
-                <a:ea typeface="Times New Roman" pitchFamily="18" charset="0"/>
-                <a:cs typeface="Times New Roman" pitchFamily="18" charset="0"/>
-              </a:rPr>
-              <a:t>chaân </a:t>
-            </a:r>
-            <a:r>
-              <a:rPr lang="en-US" sz="6600" b="1">
-                <a:solidFill>
-                  <a:prstClr val="black"/>
-                </a:solidFill>
-                <a:effectLst>
-                  <a:glow rad="127000">
-                    <a:prstClr val="white"/>
-                  </a:glow>
-                </a:effectLst>
-                <a:latin typeface="VNI-Aptima" pitchFamily="2" charset="0"/>
-                <a:ea typeface="Times New Roman" pitchFamily="18" charset="0"/>
-                <a:cs typeface="Times New Roman" pitchFamily="18" charset="0"/>
-              </a:rPr>
-              <a:t>Chuùa </a:t>
-            </a:r>
-            <a:r>
-              <a:rPr lang="en-US" sz="6600" b="1" smtClean="0">
-                <a:solidFill>
-                  <a:prstClr val="black"/>
-                </a:solidFill>
-                <a:effectLst>
-                  <a:glow rad="127000">
-                    <a:prstClr val="white"/>
-                  </a:glow>
-                </a:effectLst>
-                <a:latin typeface="VNI-Aptima" pitchFamily="2" charset="0"/>
-                <a:ea typeface="Times New Roman" pitchFamily="18" charset="0"/>
-                <a:cs typeface="Times New Roman" pitchFamily="18" charset="0"/>
-              </a:rPr>
-              <a:t>loøng </a:t>
+              <a:rPr lang="en-US" sz="6600" b="1" dirty="0" err="1">
+                <a:solidFill>
+                  <a:prstClr val="black"/>
+                </a:solidFill>
+                <a:effectLst>
+                  <a:glow rad="127000">
+                    <a:prstClr val="white"/>
+                  </a:glow>
+                </a:effectLst>
+                <a:latin typeface="VNI-Times" pitchFamily="2" charset="0"/>
+                <a:ea typeface="Times New Roman" pitchFamily="18" charset="0"/>
+                <a:cs typeface="Times New Roman" pitchFamily="18" charset="0"/>
+              </a:rPr>
+              <a:t>chaân</a:t>
+            </a:r>
+            <a:r>
+              <a:rPr lang="en-US" sz="6600" b="1" dirty="0">
+                <a:solidFill>
+                  <a:prstClr val="black"/>
+                </a:solidFill>
+                <a:effectLst>
+                  <a:glow rad="127000">
+                    <a:prstClr val="white"/>
+                  </a:glow>
+                </a:effectLst>
+                <a:latin typeface="VNI-Times" pitchFamily="2" charset="0"/>
+                <a:ea typeface="Times New Roman" pitchFamily="18" charset="0"/>
+                <a:cs typeface="Times New Roman" pitchFamily="18" charset="0"/>
+              </a:rPr>
+              <a:t> </a:t>
+            </a:r>
+            <a:r>
+              <a:rPr lang="en-US" sz="6600" b="1" dirty="0" err="1">
+                <a:solidFill>
+                  <a:prstClr val="black"/>
+                </a:solidFill>
+                <a:effectLst>
+                  <a:glow rad="127000">
+                    <a:prstClr val="white"/>
+                  </a:glow>
+                </a:effectLst>
+                <a:latin typeface="VNI-Times" pitchFamily="2" charset="0"/>
+                <a:ea typeface="Times New Roman" pitchFamily="18" charset="0"/>
+                <a:cs typeface="Times New Roman" pitchFamily="18" charset="0"/>
+              </a:rPr>
+              <a:t>Chuùa</a:t>
+            </a:r>
+            <a:r>
+              <a:rPr lang="en-US" sz="6600" b="1" dirty="0">
+                <a:solidFill>
+                  <a:prstClr val="black"/>
+                </a:solidFill>
+                <a:effectLst>
+                  <a:glow rad="127000">
+                    <a:prstClr val="white"/>
+                  </a:glow>
+                </a:effectLst>
+                <a:latin typeface="VNI-Times" pitchFamily="2" charset="0"/>
+                <a:ea typeface="Times New Roman" pitchFamily="18" charset="0"/>
+                <a:cs typeface="Times New Roman" pitchFamily="18" charset="0"/>
+              </a:rPr>
+              <a:t> </a:t>
+            </a:r>
+            <a:r>
+              <a:rPr lang="en-US" sz="6600" b="1" dirty="0" err="1">
+                <a:solidFill>
+                  <a:prstClr val="black"/>
+                </a:solidFill>
+                <a:effectLst>
+                  <a:glow rad="127000">
+                    <a:prstClr val="white"/>
+                  </a:glow>
+                </a:effectLst>
+                <a:latin typeface="VNI-Times" pitchFamily="2" charset="0"/>
+                <a:ea typeface="Times New Roman" pitchFamily="18" charset="0"/>
+                <a:cs typeface="Times New Roman" pitchFamily="18" charset="0"/>
+              </a:rPr>
+              <a:t>loøng</a:t>
+            </a:r>
+            <a:r>
+              <a:rPr lang="en-US" sz="6600" b="1" dirty="0">
+                <a:solidFill>
+                  <a:prstClr val="black"/>
+                </a:solidFill>
+                <a:effectLst>
+                  <a:glow rad="127000">
+                    <a:prstClr val="white"/>
+                  </a:glow>
+                </a:effectLst>
+                <a:latin typeface="VNI-Times" pitchFamily="2" charset="0"/>
+                <a:ea typeface="Times New Roman" pitchFamily="18" charset="0"/>
+                <a:cs typeface="Times New Roman" pitchFamily="18" charset="0"/>
+              </a:rPr>
+              <a:t> </a:t>
             </a:r>
             <a:br>
-              <a:rPr lang="en-US" sz="6600" b="1" smtClean="0">
-                <a:solidFill>
-                  <a:prstClr val="black"/>
-                </a:solidFill>
-                <a:effectLst>
-                  <a:glow rad="127000">
-                    <a:prstClr val="white"/>
-                  </a:glow>
-                </a:effectLst>
-                <a:latin typeface="VNI-Aptima" pitchFamily="2" charset="0"/>
+              <a:rPr lang="en-US" sz="6600" b="1" dirty="0">
+                <a:solidFill>
+                  <a:prstClr val="black"/>
+                </a:solidFill>
+                <a:effectLst>
+                  <a:glow rad="127000">
+                    <a:prstClr val="white"/>
+                  </a:glow>
+                </a:effectLst>
+                <a:latin typeface="VNI-Times" pitchFamily="2" charset="0"/>
                 <a:ea typeface="Times New Roman" pitchFamily="18" charset="0"/>
                 <a:cs typeface="Times New Roman" pitchFamily="18" charset="0"/>
               </a:rPr>
             </a:br>
             <a:r>
-              <a:rPr lang="en-US" sz="6600" b="1" smtClean="0">
-                <a:solidFill>
-                  <a:prstClr val="black"/>
-                </a:solidFill>
-                <a:effectLst>
-                  <a:glow rad="127000">
-                    <a:prstClr val="white"/>
-                  </a:glow>
-                </a:effectLst>
-                <a:latin typeface="VNI-Aptima" pitchFamily="2" charset="0"/>
-                <a:ea typeface="Times New Roman" pitchFamily="18" charset="0"/>
-                <a:cs typeface="Times New Roman" pitchFamily="18" charset="0"/>
-              </a:rPr>
-              <a:t>yeâu </a:t>
-            </a:r>
-            <a:r>
-              <a:rPr lang="en-US" sz="6600" b="1">
-                <a:solidFill>
-                  <a:prstClr val="black"/>
-                </a:solidFill>
-                <a:effectLst>
-                  <a:glow rad="127000">
-                    <a:prstClr val="white"/>
-                  </a:glow>
-                </a:effectLst>
-                <a:latin typeface="VNI-Aptima" pitchFamily="2" charset="0"/>
-                <a:ea typeface="Times New Roman" pitchFamily="18" charset="0"/>
-                <a:cs typeface="Times New Roman" pitchFamily="18" charset="0"/>
-              </a:rPr>
-              <a:t>meán Chuùa.</a:t>
-            </a:r>
-            <a:endParaRPr lang="en-US" sz="6600" b="1">
-              <a:solidFill>
-                <a:prstClr val="black"/>
-              </a:solidFill>
-              <a:effectLst>
-                <a:glow rad="127000">
-                  <a:prstClr val="white"/>
-                </a:glow>
-              </a:effectLst>
-              <a:latin typeface="VNI-Aptima" pitchFamily="2" charset="0"/>
-              <a:ea typeface="Times New Roman" pitchFamily="18" charset="0"/>
-              <a:cs typeface="Times New Roman" pitchFamily="18" charset="0"/>
-            </a:endParaRPr>
+              <a:rPr lang="en-US" sz="6600" b="1" dirty="0" err="1">
+                <a:solidFill>
+                  <a:prstClr val="black"/>
+                </a:solidFill>
+                <a:effectLst>
+                  <a:glow rad="127000">
+                    <a:prstClr val="white"/>
+                  </a:glow>
+                </a:effectLst>
+                <a:latin typeface="VNI-Times" pitchFamily="2" charset="0"/>
+                <a:ea typeface="Times New Roman" pitchFamily="18" charset="0"/>
+                <a:cs typeface="Times New Roman" pitchFamily="18" charset="0"/>
+              </a:rPr>
+              <a:t>yeâu</a:t>
+            </a:r>
+            <a:r>
+              <a:rPr lang="en-US" sz="6600" b="1" dirty="0">
+                <a:solidFill>
+                  <a:prstClr val="black"/>
+                </a:solidFill>
+                <a:effectLst>
+                  <a:glow rad="127000">
+                    <a:prstClr val="white"/>
+                  </a:glow>
+                </a:effectLst>
+                <a:latin typeface="VNI-Times" pitchFamily="2" charset="0"/>
+                <a:ea typeface="Times New Roman" pitchFamily="18" charset="0"/>
+                <a:cs typeface="Times New Roman" pitchFamily="18" charset="0"/>
+              </a:rPr>
+              <a:t> </a:t>
+            </a:r>
+            <a:r>
+              <a:rPr lang="en-US" sz="6600" b="1" dirty="0" err="1">
+                <a:solidFill>
+                  <a:prstClr val="black"/>
+                </a:solidFill>
+                <a:effectLst>
+                  <a:glow rad="127000">
+                    <a:prstClr val="white"/>
+                  </a:glow>
+                </a:effectLst>
+                <a:latin typeface="VNI-Times" pitchFamily="2" charset="0"/>
+                <a:ea typeface="Times New Roman" pitchFamily="18" charset="0"/>
+                <a:cs typeface="Times New Roman" pitchFamily="18" charset="0"/>
+              </a:rPr>
+              <a:t>meán</a:t>
+            </a:r>
+            <a:r>
+              <a:rPr lang="en-US" sz="6600" b="1" dirty="0">
+                <a:solidFill>
+                  <a:prstClr val="black"/>
+                </a:solidFill>
+                <a:effectLst>
+                  <a:glow rad="127000">
+                    <a:prstClr val="white"/>
+                  </a:glow>
+                </a:effectLst>
+                <a:latin typeface="VNI-Times" pitchFamily="2" charset="0"/>
+                <a:ea typeface="Times New Roman" pitchFamily="18" charset="0"/>
+                <a:cs typeface="Times New Roman" pitchFamily="18" charset="0"/>
+              </a:rPr>
+              <a:t> </a:t>
+            </a:r>
+            <a:r>
+              <a:rPr lang="en-US" sz="6600" b="1" dirty="0" err="1">
+                <a:solidFill>
+                  <a:prstClr val="black"/>
+                </a:solidFill>
+                <a:effectLst>
+                  <a:glow rad="127000">
+                    <a:prstClr val="white"/>
+                  </a:glow>
+                </a:effectLst>
+                <a:latin typeface="VNI-Times" pitchFamily="2" charset="0"/>
+                <a:ea typeface="Times New Roman" pitchFamily="18" charset="0"/>
+                <a:cs typeface="Times New Roman" pitchFamily="18" charset="0"/>
+              </a:rPr>
+              <a:t>Chuùa</a:t>
+            </a:r>
+            <a:r>
+              <a:rPr lang="en-US" sz="6600" b="1" dirty="0">
+                <a:solidFill>
+                  <a:prstClr val="black"/>
+                </a:solidFill>
+                <a:effectLst>
+                  <a:glow rad="127000">
+                    <a:prstClr val="white"/>
+                  </a:glow>
+                </a:effectLst>
+                <a:latin typeface="VNI-Times" pitchFamily="2" charset="0"/>
+                <a:ea typeface="Times New Roman" pitchFamily="18" charset="0"/>
+                <a:cs typeface="Times New Roman" pitchFamily="18" charset="0"/>
+              </a:rPr>
+              <a:t>.</a:t>
+            </a:r>
           </a:p>
         </p:txBody>
       </p:sp>
@@ -2781,26 +4064,246 @@
           <a:p>
             <a:pPr algn="ctr"/>
             <a:r>
-              <a:rPr lang="en-US" sz="4000" b="1" spc="-150" smtClean="0">
-                <a:ln w="11430"/>
-                <a:solidFill>
-                  <a:srgbClr val="FFFF00"/>
-                </a:solidFill>
-                <a:effectLst>
-                  <a:glow rad="127000">
-                    <a:prstClr val="black"/>
-                  </a:glow>
-                  <a:outerShdw blurRad="50800" dist="39000" dir="5460000" algn="tl">
-                    <a:srgbClr val="000000">
-                      <a:alpha val="38000"/>
-                    </a:srgbClr>
-                  </a:outerShdw>
-                </a:effectLst>
-                <a:latin typeface="HP-Bank" panose="020B0603050302020204" pitchFamily="34" charset="0"/>
-              </a:rPr>
-              <a:t>con chæ mong toân cao danh ngaøi</a:t>
-            </a:r>
-            <a:endParaRPr lang="en-US" sz="4000" b="1" spc="-150" smtClean="0">
+              <a:rPr lang="en-US" sz="4000" b="1" spc="-150" dirty="0">
+                <a:ln w="11430"/>
+                <a:solidFill>
+                  <a:srgbClr val="FFFF00"/>
+                </a:solidFill>
+                <a:effectLst>
+                  <a:glow rad="127000">
+                    <a:prstClr val="black"/>
+                  </a:glow>
+                  <a:outerShdw blurRad="50800" dist="39000" dir="5460000" algn="tl">
+                    <a:srgbClr val="000000">
+                      <a:alpha val="38000"/>
+                    </a:srgbClr>
+                  </a:outerShdw>
+                </a:effectLst>
+                <a:latin typeface="VNI-Times" pitchFamily="2" charset="0"/>
+              </a:rPr>
+              <a:t>con </a:t>
+            </a:r>
+            <a:r>
+              <a:rPr lang="en-US" sz="4000" b="1" spc="-150" dirty="0" err="1">
+                <a:ln w="11430"/>
+                <a:solidFill>
+                  <a:srgbClr val="FFFF00"/>
+                </a:solidFill>
+                <a:effectLst>
+                  <a:glow rad="127000">
+                    <a:prstClr val="black"/>
+                  </a:glow>
+                  <a:outerShdw blurRad="50800" dist="39000" dir="5460000" algn="tl">
+                    <a:srgbClr val="000000">
+                      <a:alpha val="38000"/>
+                    </a:srgbClr>
+                  </a:outerShdw>
+                </a:effectLst>
+                <a:latin typeface="VNI-Times" pitchFamily="2" charset="0"/>
+              </a:rPr>
+              <a:t>chæ</a:t>
+            </a:r>
+            <a:r>
+              <a:rPr lang="en-US" sz="4000" b="1" spc="-150" dirty="0">
+                <a:ln w="11430"/>
+                <a:solidFill>
+                  <a:srgbClr val="FFFF00"/>
+                </a:solidFill>
+                <a:effectLst>
+                  <a:glow rad="127000">
+                    <a:prstClr val="black"/>
+                  </a:glow>
+                  <a:outerShdw blurRad="50800" dist="39000" dir="5460000" algn="tl">
+                    <a:srgbClr val="000000">
+                      <a:alpha val="38000"/>
+                    </a:srgbClr>
+                  </a:outerShdw>
+                </a:effectLst>
+                <a:latin typeface="VNI-Times" pitchFamily="2" charset="0"/>
+              </a:rPr>
+              <a:t> </a:t>
+            </a:r>
+            <a:r>
+              <a:rPr lang="en-US" sz="4000" b="1" spc="-150" dirty="0" err="1">
+                <a:ln w="11430"/>
+                <a:solidFill>
+                  <a:srgbClr val="FFFF00"/>
+                </a:solidFill>
+                <a:effectLst>
+                  <a:glow rad="127000">
+                    <a:prstClr val="black"/>
+                  </a:glow>
+                  <a:outerShdw blurRad="50800" dist="39000" dir="5460000" algn="tl">
+                    <a:srgbClr val="000000">
+                      <a:alpha val="38000"/>
+                    </a:srgbClr>
+                  </a:outerShdw>
+                </a:effectLst>
+                <a:latin typeface="VNI-Times" pitchFamily="2" charset="0"/>
+              </a:rPr>
+              <a:t>mong</a:t>
+            </a:r>
+            <a:r>
+              <a:rPr lang="en-US" sz="4000" b="1" spc="-150" dirty="0">
+                <a:ln w="11430"/>
+                <a:solidFill>
+                  <a:srgbClr val="FFFF00"/>
+                </a:solidFill>
+                <a:effectLst>
+                  <a:glow rad="127000">
+                    <a:prstClr val="black"/>
+                  </a:glow>
+                  <a:outerShdw blurRad="50800" dist="39000" dir="5460000" algn="tl">
+                    <a:srgbClr val="000000">
+                      <a:alpha val="38000"/>
+                    </a:srgbClr>
+                  </a:outerShdw>
+                </a:effectLst>
+                <a:latin typeface="VNI-Times" pitchFamily="2" charset="0"/>
+              </a:rPr>
+              <a:t> </a:t>
+            </a:r>
+            <a:r>
+              <a:rPr lang="en-US" sz="4000" b="1" spc="-150" dirty="0" err="1">
+                <a:ln w="11430"/>
+                <a:solidFill>
+                  <a:srgbClr val="FFFF00"/>
+                </a:solidFill>
+                <a:effectLst>
+                  <a:glow rad="127000">
+                    <a:prstClr val="black"/>
+                  </a:glow>
+                  <a:outerShdw blurRad="50800" dist="39000" dir="5460000" algn="tl">
+                    <a:srgbClr val="000000">
+                      <a:alpha val="38000"/>
+                    </a:srgbClr>
+                  </a:outerShdw>
+                </a:effectLst>
+                <a:latin typeface="VNI-Times" pitchFamily="2" charset="0"/>
+              </a:rPr>
+              <a:t>toân</a:t>
+            </a:r>
+            <a:r>
+              <a:rPr lang="en-US" sz="4000" b="1" spc="-150" dirty="0">
+                <a:ln w="11430"/>
+                <a:solidFill>
+                  <a:srgbClr val="FFFF00"/>
+                </a:solidFill>
+                <a:effectLst>
+                  <a:glow rad="127000">
+                    <a:prstClr val="black"/>
+                  </a:glow>
+                  <a:outerShdw blurRad="50800" dist="39000" dir="5460000" algn="tl">
+                    <a:srgbClr val="000000">
+                      <a:alpha val="38000"/>
+                    </a:srgbClr>
+                  </a:outerShdw>
+                </a:effectLst>
+                <a:latin typeface="VNI-Times" pitchFamily="2" charset="0"/>
+              </a:rPr>
+              <a:t> </a:t>
+            </a:r>
+            <a:r>
+              <a:rPr lang="en-US" sz="4000" b="1" spc="-150" dirty="0" err="1">
+                <a:ln w="11430"/>
+                <a:solidFill>
+                  <a:srgbClr val="FFFF00"/>
+                </a:solidFill>
+                <a:effectLst>
+                  <a:glow rad="127000">
+                    <a:prstClr val="black"/>
+                  </a:glow>
+                  <a:outerShdw blurRad="50800" dist="39000" dir="5460000" algn="tl">
+                    <a:srgbClr val="000000">
+                      <a:alpha val="38000"/>
+                    </a:srgbClr>
+                  </a:outerShdw>
+                </a:effectLst>
+                <a:latin typeface="VNI-Times" pitchFamily="2" charset="0"/>
+              </a:rPr>
+              <a:t>cao</a:t>
+            </a:r>
+            <a:r>
+              <a:rPr lang="en-US" sz="4000" b="1" spc="-150" dirty="0">
+                <a:ln w="11430"/>
+                <a:solidFill>
+                  <a:srgbClr val="FFFF00"/>
+                </a:solidFill>
+                <a:effectLst>
+                  <a:glow rad="127000">
+                    <a:prstClr val="black"/>
+                  </a:glow>
+                  <a:outerShdw blurRad="50800" dist="39000" dir="5460000" algn="tl">
+                    <a:srgbClr val="000000">
+                      <a:alpha val="38000"/>
+                    </a:srgbClr>
+                  </a:outerShdw>
+                </a:effectLst>
+                <a:latin typeface="VNI-Times" pitchFamily="2" charset="0"/>
+              </a:rPr>
+              <a:t> </a:t>
+            </a:r>
+            <a:r>
+              <a:rPr lang="en-US" sz="4000" b="1" spc="-150" dirty="0" err="1">
+                <a:ln w="11430"/>
+                <a:solidFill>
+                  <a:srgbClr val="FFFF00"/>
+                </a:solidFill>
+                <a:effectLst>
+                  <a:glow rad="127000">
+                    <a:prstClr val="black"/>
+                  </a:glow>
+                  <a:outerShdw blurRad="50800" dist="39000" dir="5460000" algn="tl">
+                    <a:srgbClr val="000000">
+                      <a:alpha val="38000"/>
+                    </a:srgbClr>
+                  </a:outerShdw>
+                </a:effectLst>
+                <a:latin typeface="VNI-Times" pitchFamily="2" charset="0"/>
+              </a:rPr>
+              <a:t>danh</a:t>
+            </a:r>
+            <a:r>
+              <a:rPr lang="en-US" sz="4000" b="1" spc="-150" dirty="0">
+                <a:ln w="11430"/>
+                <a:solidFill>
+                  <a:srgbClr val="FFFF00"/>
+                </a:solidFill>
+                <a:effectLst>
+                  <a:glow rad="127000">
+                    <a:prstClr val="black"/>
+                  </a:glow>
+                  <a:outerShdw blurRad="50800" dist="39000" dir="5460000" algn="tl">
+                    <a:srgbClr val="000000">
+                      <a:alpha val="38000"/>
+                    </a:srgbClr>
+                  </a:outerShdw>
+                </a:effectLst>
+                <a:latin typeface="VNI-Times" pitchFamily="2" charset="0"/>
+              </a:rPr>
+              <a:t> </a:t>
+            </a:r>
+            <a:r>
+              <a:rPr lang="en-US" sz="4000" b="1" spc="-150" dirty="0" err="1">
+                <a:ln w="11430"/>
+                <a:solidFill>
+                  <a:srgbClr val="FFFF00"/>
+                </a:solidFill>
+                <a:effectLst>
+                  <a:glow rad="127000">
+                    <a:prstClr val="black"/>
+                  </a:glow>
+                  <a:outerShdw blurRad="50800" dist="39000" dir="5460000" algn="tl">
+                    <a:srgbClr val="000000">
+                      <a:alpha val="38000"/>
+                    </a:srgbClr>
+                  </a:outerShdw>
+                </a:effectLst>
+                <a:latin typeface="VNI-Times" pitchFamily="2" charset="0"/>
+              </a:rPr>
+              <a:t>ngaøi</a:t>
+            </a:r>
+            <a:endParaRPr lang="en-US" sz="4000" b="1" spc="-150" dirty="0">
               <a:ln w="11430"/>
               <a:solidFill>
                 <a:srgbClr val="FFFF00"/>
@@ -2815,7 +4318,7 @@
                   </a:srgbClr>
                 </a:outerShdw>
               </a:effectLst>
-              <a:latin typeface="HP-Bank" panose="020B0603050302020204" pitchFamily="34" charset="0"/>
+              <a:latin typeface="VNI-Times" pitchFamily="2" charset="0"/>
             </a:endParaRPr>
           </a:p>
         </p:txBody>
@@ -2893,191 +4396,370 @@
               </a:spcAft>
             </a:pPr>
             <a:r>
-              <a:rPr lang="en-US" sz="6600" b="1">
-                <a:solidFill>
-                  <a:prstClr val="black"/>
-                </a:solidFill>
-                <a:effectLst>
-                  <a:glow rad="127000">
-                    <a:prstClr val="white"/>
-                  </a:glow>
-                </a:effectLst>
-                <a:latin typeface="VNI-Aptima" pitchFamily="2" charset="0"/>
-                <a:ea typeface="Times New Roman" pitchFamily="18" charset="0"/>
-                <a:cs typeface="Times New Roman" pitchFamily="18" charset="0"/>
-              </a:rPr>
-              <a:t>Suoát cuoäc ñôøi naøy </a:t>
+              <a:rPr lang="en-US" sz="6600" b="1" dirty="0" err="1">
+                <a:solidFill>
+                  <a:prstClr val="black"/>
+                </a:solidFill>
+                <a:effectLst>
+                  <a:glow rad="127000">
+                    <a:prstClr val="white"/>
+                  </a:glow>
+                </a:effectLst>
+                <a:latin typeface="VNI-Times" pitchFamily="2" charset="0"/>
+                <a:ea typeface="Times New Roman" pitchFamily="18" charset="0"/>
+                <a:cs typeface="Times New Roman" pitchFamily="18" charset="0"/>
+              </a:rPr>
+              <a:t>Suoát</a:t>
+            </a:r>
+            <a:r>
+              <a:rPr lang="en-US" sz="6600" b="1" dirty="0">
+                <a:solidFill>
+                  <a:prstClr val="black"/>
+                </a:solidFill>
+                <a:effectLst>
+                  <a:glow rad="127000">
+                    <a:prstClr val="white"/>
+                  </a:glow>
+                </a:effectLst>
+                <a:latin typeface="VNI-Times" pitchFamily="2" charset="0"/>
+                <a:ea typeface="Times New Roman" pitchFamily="18" charset="0"/>
+                <a:cs typeface="Times New Roman" pitchFamily="18" charset="0"/>
+              </a:rPr>
+              <a:t> </a:t>
+            </a:r>
+            <a:r>
+              <a:rPr lang="en-US" sz="6600" b="1" dirty="0" err="1">
+                <a:solidFill>
+                  <a:prstClr val="black"/>
+                </a:solidFill>
+                <a:effectLst>
+                  <a:glow rad="127000">
+                    <a:prstClr val="white"/>
+                  </a:glow>
+                </a:effectLst>
+                <a:latin typeface="VNI-Times" pitchFamily="2" charset="0"/>
+                <a:ea typeface="Times New Roman" pitchFamily="18" charset="0"/>
+                <a:cs typeface="Times New Roman" pitchFamily="18" charset="0"/>
+              </a:rPr>
+              <a:t>cuoäc</a:t>
+            </a:r>
+            <a:r>
+              <a:rPr lang="en-US" sz="6600" b="1" dirty="0">
+                <a:solidFill>
+                  <a:prstClr val="black"/>
+                </a:solidFill>
+                <a:effectLst>
+                  <a:glow rad="127000">
+                    <a:prstClr val="white"/>
+                  </a:glow>
+                </a:effectLst>
+                <a:latin typeface="VNI-Times" pitchFamily="2" charset="0"/>
+                <a:ea typeface="Times New Roman" pitchFamily="18" charset="0"/>
+                <a:cs typeface="Times New Roman" pitchFamily="18" charset="0"/>
+              </a:rPr>
+              <a:t> </a:t>
+            </a:r>
+            <a:r>
+              <a:rPr lang="en-US" sz="6600" b="1" dirty="0" err="1">
+                <a:solidFill>
+                  <a:prstClr val="black"/>
+                </a:solidFill>
+                <a:effectLst>
+                  <a:glow rad="127000">
+                    <a:prstClr val="white"/>
+                  </a:glow>
+                </a:effectLst>
+                <a:latin typeface="VNI-Times" pitchFamily="2" charset="0"/>
+                <a:ea typeface="Times New Roman" pitchFamily="18" charset="0"/>
+                <a:cs typeface="Times New Roman" pitchFamily="18" charset="0"/>
+              </a:rPr>
+              <a:t>ñôøi</a:t>
+            </a:r>
+            <a:r>
+              <a:rPr lang="en-US" sz="6600" b="1" dirty="0">
+                <a:solidFill>
+                  <a:prstClr val="black"/>
+                </a:solidFill>
+                <a:effectLst>
+                  <a:glow rad="127000">
+                    <a:prstClr val="white"/>
+                  </a:glow>
+                </a:effectLst>
+                <a:latin typeface="VNI-Times" pitchFamily="2" charset="0"/>
+                <a:ea typeface="Times New Roman" pitchFamily="18" charset="0"/>
+                <a:cs typeface="Times New Roman" pitchFamily="18" charset="0"/>
+              </a:rPr>
+              <a:t> </a:t>
+            </a:r>
+            <a:r>
+              <a:rPr lang="en-US" sz="6600" b="1" dirty="0" err="1">
+                <a:solidFill>
+                  <a:prstClr val="black"/>
+                </a:solidFill>
+                <a:effectLst>
+                  <a:glow rad="127000">
+                    <a:prstClr val="white"/>
+                  </a:glow>
+                </a:effectLst>
+                <a:latin typeface="VNI-Times" pitchFamily="2" charset="0"/>
+                <a:ea typeface="Times New Roman" pitchFamily="18" charset="0"/>
+                <a:cs typeface="Times New Roman" pitchFamily="18" charset="0"/>
+              </a:rPr>
+              <a:t>naøy</a:t>
+            </a:r>
+            <a:r>
+              <a:rPr lang="en-US" sz="6600" b="1" dirty="0">
+                <a:solidFill>
+                  <a:prstClr val="black"/>
+                </a:solidFill>
+                <a:effectLst>
+                  <a:glow rad="127000">
+                    <a:prstClr val="white"/>
+                  </a:glow>
+                </a:effectLst>
+                <a:latin typeface="VNI-Times" pitchFamily="2" charset="0"/>
+                <a:ea typeface="Times New Roman" pitchFamily="18" charset="0"/>
+                <a:cs typeface="Times New Roman" pitchFamily="18" charset="0"/>
+              </a:rPr>
+              <a:t> </a:t>
             </a:r>
             <a:br>
-              <a:rPr lang="en-US" sz="6600" b="1">
-                <a:solidFill>
-                  <a:prstClr val="black"/>
-                </a:solidFill>
-                <a:effectLst>
-                  <a:glow rad="127000">
-                    <a:prstClr val="white"/>
-                  </a:glow>
-                </a:effectLst>
-                <a:latin typeface="VNI-Aptima" pitchFamily="2" charset="0"/>
+              <a:rPr lang="en-US" sz="6600" b="1" dirty="0">
+                <a:solidFill>
+                  <a:prstClr val="black"/>
+                </a:solidFill>
+                <a:effectLst>
+                  <a:glow rad="127000">
+                    <a:prstClr val="white"/>
+                  </a:glow>
+                </a:effectLst>
+                <a:latin typeface="VNI-Times" pitchFamily="2" charset="0"/>
                 <a:ea typeface="Times New Roman" pitchFamily="18" charset="0"/>
                 <a:cs typeface="Times New Roman" pitchFamily="18" charset="0"/>
               </a:rPr>
             </a:br>
             <a:r>
-              <a:rPr lang="en-US" sz="6600" b="1">
-                <a:solidFill>
-                  <a:prstClr val="black"/>
-                </a:solidFill>
-                <a:effectLst>
-                  <a:glow rad="127000">
-                    <a:prstClr val="white"/>
-                  </a:glow>
-                </a:effectLst>
-                <a:latin typeface="VNI-Aptima" pitchFamily="2" charset="0"/>
-                <a:ea typeface="Times New Roman" pitchFamily="18" charset="0"/>
-                <a:cs typeface="Times New Roman" pitchFamily="18" charset="0"/>
-              </a:rPr>
-              <a:t>loøng con khaùt khao </a:t>
+              <a:rPr lang="en-US" sz="6600" b="1" dirty="0" err="1">
+                <a:solidFill>
+                  <a:prstClr val="black"/>
+                </a:solidFill>
+                <a:effectLst>
+                  <a:glow rad="127000">
+                    <a:prstClr val="white"/>
+                  </a:glow>
+                </a:effectLst>
+                <a:latin typeface="VNI-Times" pitchFamily="2" charset="0"/>
+                <a:ea typeface="Times New Roman" pitchFamily="18" charset="0"/>
+                <a:cs typeface="Times New Roman" pitchFamily="18" charset="0"/>
+              </a:rPr>
+              <a:t>loøng</a:t>
+            </a:r>
+            <a:r>
+              <a:rPr lang="en-US" sz="6600" b="1" dirty="0">
+                <a:solidFill>
+                  <a:prstClr val="black"/>
+                </a:solidFill>
+                <a:effectLst>
+                  <a:glow rad="127000">
+                    <a:prstClr val="white"/>
+                  </a:glow>
+                </a:effectLst>
+                <a:latin typeface="VNI-Times" pitchFamily="2" charset="0"/>
+                <a:ea typeface="Times New Roman" pitchFamily="18" charset="0"/>
+                <a:cs typeface="Times New Roman" pitchFamily="18" charset="0"/>
+              </a:rPr>
+              <a:t> con </a:t>
+            </a:r>
+            <a:r>
+              <a:rPr lang="en-US" sz="6600" b="1" dirty="0" err="1">
+                <a:solidFill>
+                  <a:prstClr val="black"/>
+                </a:solidFill>
+                <a:effectLst>
+                  <a:glow rad="127000">
+                    <a:prstClr val="white"/>
+                  </a:glow>
+                </a:effectLst>
+                <a:latin typeface="VNI-Times" pitchFamily="2" charset="0"/>
+                <a:ea typeface="Times New Roman" pitchFamily="18" charset="0"/>
+                <a:cs typeface="Times New Roman" pitchFamily="18" charset="0"/>
+              </a:rPr>
+              <a:t>khaùt</a:t>
+            </a:r>
+            <a:r>
+              <a:rPr lang="en-US" sz="6600" b="1" dirty="0">
+                <a:solidFill>
+                  <a:prstClr val="black"/>
+                </a:solidFill>
+                <a:effectLst>
+                  <a:glow rad="127000">
+                    <a:prstClr val="white"/>
+                  </a:glow>
+                </a:effectLst>
+                <a:latin typeface="VNI-Times" pitchFamily="2" charset="0"/>
+                <a:ea typeface="Times New Roman" pitchFamily="18" charset="0"/>
+                <a:cs typeface="Times New Roman" pitchFamily="18" charset="0"/>
+              </a:rPr>
+              <a:t> khao </a:t>
             </a:r>
             <a:br>
-              <a:rPr lang="en-US" sz="6600" b="1">
-                <a:solidFill>
-                  <a:prstClr val="black"/>
-                </a:solidFill>
-                <a:effectLst>
-                  <a:glow rad="127000">
-                    <a:prstClr val="white"/>
-                  </a:glow>
-                </a:effectLst>
-                <a:latin typeface="VNI-Aptima" pitchFamily="2" charset="0"/>
+              <a:rPr lang="en-US" sz="6600" b="1" dirty="0">
+                <a:solidFill>
+                  <a:prstClr val="black"/>
+                </a:solidFill>
+                <a:effectLst>
+                  <a:glow rad="127000">
+                    <a:prstClr val="white"/>
+                  </a:glow>
+                </a:effectLst>
+                <a:latin typeface="VNI-Times" pitchFamily="2" charset="0"/>
                 <a:ea typeface="Times New Roman" pitchFamily="18" charset="0"/>
                 <a:cs typeface="Times New Roman" pitchFamily="18" charset="0"/>
               </a:rPr>
             </a:br>
             <a:r>
-              <a:rPr lang="en-US" sz="6600" b="1">
-                <a:solidFill>
-                  <a:prstClr val="black"/>
-                </a:solidFill>
-                <a:effectLst>
-                  <a:glow rad="127000">
-                    <a:prstClr val="white"/>
-                  </a:glow>
-                </a:effectLst>
-                <a:latin typeface="VNI-Aptima" pitchFamily="2" charset="0"/>
-                <a:ea typeface="Times New Roman" pitchFamily="18" charset="0"/>
-                <a:cs typeface="Times New Roman" pitchFamily="18" charset="0"/>
-              </a:rPr>
-              <a:t>chæ muoán </a:t>
-            </a:r>
-            <a:r>
-              <a:rPr lang="en-US" sz="6600" b="1">
-                <a:solidFill>
-                  <a:prstClr val="black"/>
-                </a:solidFill>
-                <a:effectLst>
-                  <a:glow rad="127000">
-                    <a:prstClr val="white"/>
-                  </a:glow>
-                </a:effectLst>
-                <a:latin typeface="VNI-Aptima" pitchFamily="2" charset="0"/>
-                <a:ea typeface="Times New Roman" pitchFamily="18" charset="0"/>
-                <a:cs typeface="Times New Roman" pitchFamily="18" charset="0"/>
-              </a:rPr>
-              <a:t>Cha </a:t>
-            </a:r>
-            <a:r>
-              <a:rPr lang="en-US" sz="6600" b="1" smtClean="0">
-                <a:solidFill>
-                  <a:prstClr val="black"/>
-                </a:solidFill>
-                <a:effectLst>
-                  <a:glow rad="127000">
-                    <a:prstClr val="white"/>
-                  </a:glow>
-                </a:effectLst>
-                <a:latin typeface="VNI-Aptima" pitchFamily="2" charset="0"/>
-                <a:ea typeface="Times New Roman" pitchFamily="18" charset="0"/>
-                <a:cs typeface="Times New Roman" pitchFamily="18" charset="0"/>
-              </a:rPr>
-              <a:t/>
+              <a:rPr lang="en-US" sz="6600" b="1" dirty="0" err="1">
+                <a:solidFill>
+                  <a:prstClr val="black"/>
+                </a:solidFill>
+                <a:effectLst>
+                  <a:glow rad="127000">
+                    <a:prstClr val="white"/>
+                  </a:glow>
+                </a:effectLst>
+                <a:latin typeface="VNI-Times" pitchFamily="2" charset="0"/>
+                <a:ea typeface="Times New Roman" pitchFamily="18" charset="0"/>
+                <a:cs typeface="Times New Roman" pitchFamily="18" charset="0"/>
+              </a:rPr>
+              <a:t>chæ</a:t>
+            </a:r>
+            <a:r>
+              <a:rPr lang="en-US" sz="6600" b="1" dirty="0">
+                <a:solidFill>
+                  <a:prstClr val="black"/>
+                </a:solidFill>
+                <a:effectLst>
+                  <a:glow rad="127000">
+                    <a:prstClr val="white"/>
+                  </a:glow>
+                </a:effectLst>
+                <a:latin typeface="VNI-Times" pitchFamily="2" charset="0"/>
+                <a:ea typeface="Times New Roman" pitchFamily="18" charset="0"/>
+                <a:cs typeface="Times New Roman" pitchFamily="18" charset="0"/>
+              </a:rPr>
+              <a:t> </a:t>
+            </a:r>
+            <a:r>
+              <a:rPr lang="en-US" sz="6600" b="1" dirty="0" err="1">
+                <a:solidFill>
+                  <a:prstClr val="black"/>
+                </a:solidFill>
+                <a:effectLst>
+                  <a:glow rad="127000">
+                    <a:prstClr val="white"/>
+                  </a:glow>
+                </a:effectLst>
+                <a:latin typeface="VNI-Times" pitchFamily="2" charset="0"/>
+                <a:ea typeface="Times New Roman" pitchFamily="18" charset="0"/>
+                <a:cs typeface="Times New Roman" pitchFamily="18" charset="0"/>
+              </a:rPr>
+              <a:t>muoán</a:t>
+            </a:r>
+            <a:r>
+              <a:rPr lang="en-US" sz="6600" b="1" dirty="0">
+                <a:solidFill>
+                  <a:prstClr val="black"/>
+                </a:solidFill>
+                <a:effectLst>
+                  <a:glow rad="127000">
+                    <a:prstClr val="white"/>
+                  </a:glow>
+                </a:effectLst>
+                <a:latin typeface="VNI-Times" pitchFamily="2" charset="0"/>
+                <a:ea typeface="Times New Roman" pitchFamily="18" charset="0"/>
+                <a:cs typeface="Times New Roman" pitchFamily="18" charset="0"/>
+              </a:rPr>
+              <a:t> Cha </a:t>
             </a:r>
             <a:br>
-              <a:rPr lang="en-US" sz="6600" b="1" smtClean="0">
-                <a:solidFill>
-                  <a:prstClr val="black"/>
-                </a:solidFill>
-                <a:effectLst>
-                  <a:glow rad="127000">
-                    <a:prstClr val="white"/>
-                  </a:glow>
-                </a:effectLst>
-                <a:latin typeface="VNI-Aptima" pitchFamily="2" charset="0"/>
+              <a:rPr lang="en-US" sz="6600" b="1" dirty="0">
+                <a:solidFill>
+                  <a:prstClr val="black"/>
+                </a:solidFill>
+                <a:effectLst>
+                  <a:glow rad="127000">
+                    <a:prstClr val="white"/>
+                  </a:glow>
+                </a:effectLst>
+                <a:latin typeface="VNI-Times" pitchFamily="2" charset="0"/>
                 <a:ea typeface="Times New Roman" pitchFamily="18" charset="0"/>
                 <a:cs typeface="Times New Roman" pitchFamily="18" charset="0"/>
               </a:rPr>
             </a:br>
             <a:r>
-              <a:rPr lang="en-US" sz="6600" b="1" smtClean="0">
-                <a:solidFill>
-                  <a:prstClr val="black"/>
-                </a:solidFill>
-                <a:effectLst>
-                  <a:glow rad="127000">
-                    <a:prstClr val="white"/>
-                  </a:glow>
-                </a:effectLst>
-                <a:latin typeface="VNI-Aptima" pitchFamily="2" charset="0"/>
-                <a:ea typeface="Times New Roman" pitchFamily="18" charset="0"/>
-                <a:cs typeface="Times New Roman" pitchFamily="18" charset="0"/>
-              </a:rPr>
-              <a:t>vui </a:t>
-            </a:r>
-            <a:r>
-              <a:rPr lang="en-US" sz="6600" b="1">
-                <a:solidFill>
-                  <a:prstClr val="black"/>
-                </a:solidFill>
-                <a:effectLst>
-                  <a:glow rad="127000">
-                    <a:prstClr val="white"/>
-                  </a:glow>
-                </a:effectLst>
-                <a:latin typeface="VNI-Aptima" pitchFamily="2" charset="0"/>
+              <a:rPr lang="en-US" sz="6600" b="1" dirty="0" err="1">
+                <a:solidFill>
+                  <a:prstClr val="black"/>
+                </a:solidFill>
+                <a:effectLst>
+                  <a:glow rad="127000">
+                    <a:prstClr val="white"/>
+                  </a:glow>
+                </a:effectLst>
+                <a:latin typeface="VNI-Times" pitchFamily="2" charset="0"/>
+                <a:ea typeface="Times New Roman" pitchFamily="18" charset="0"/>
+                <a:cs typeface="Times New Roman" pitchFamily="18" charset="0"/>
+              </a:rPr>
+              <a:t>vui</a:t>
+            </a:r>
+            <a:r>
+              <a:rPr lang="en-US" sz="6600" b="1" dirty="0">
+                <a:solidFill>
+                  <a:prstClr val="black"/>
+                </a:solidFill>
+                <a:effectLst>
+                  <a:glow rad="127000">
+                    <a:prstClr val="white"/>
+                  </a:glow>
+                </a:effectLst>
+                <a:latin typeface="VNI-Times" pitchFamily="2" charset="0"/>
+                <a:ea typeface="Times New Roman" pitchFamily="18" charset="0"/>
+                <a:cs typeface="Times New Roman" pitchFamily="18" charset="0"/>
+              </a:rPr>
+              <a:t> </a:t>
+            </a:r>
+            <a:r>
+              <a:rPr lang="en-US" sz="6600" b="1" dirty="0" err="1">
+                <a:solidFill>
+                  <a:prstClr val="black"/>
+                </a:solidFill>
+                <a:effectLst>
+                  <a:glow rad="127000">
+                    <a:prstClr val="white"/>
+                  </a:glow>
+                </a:effectLst>
+                <a:latin typeface="VNI-Times" pitchFamily="2" charset="0"/>
                 <a:ea typeface="Times New Roman" pitchFamily="18" charset="0"/>
                 <a:cs typeface="Times New Roman" pitchFamily="18" charset="0"/>
               </a:rPr>
               <a:t>loøng</a:t>
             </a:r>
             <a:r>
-              <a:rPr lang="en-US" sz="6600" b="1">
-                <a:solidFill>
-                  <a:prstClr val="black"/>
-                </a:solidFill>
-                <a:effectLst>
-                  <a:glow rad="127000">
-                    <a:prstClr val="white"/>
-                  </a:glow>
-                </a:effectLst>
-                <a:latin typeface="VNI-Aptima" pitchFamily="2" charset="0"/>
+              <a:rPr lang="en-US" sz="6600" b="1" dirty="0">
+                <a:solidFill>
+                  <a:prstClr val="black"/>
+                </a:solidFill>
+                <a:effectLst>
+                  <a:glow rad="127000">
+                    <a:prstClr val="white"/>
+                  </a:glow>
+                </a:effectLst>
+                <a:latin typeface="VNI-Times" pitchFamily="2" charset="0"/>
                 <a:ea typeface="Times New Roman" pitchFamily="18" charset="0"/>
                 <a:cs typeface="Times New Roman" pitchFamily="18" charset="0"/>
               </a:rPr>
               <a:t>. </a:t>
             </a:r>
-            <a:endParaRPr lang="en-US" sz="6600" b="1">
-              <a:solidFill>
-                <a:prstClr val="black"/>
-              </a:solidFill>
-              <a:effectLst>
-                <a:glow rad="127000">
-                  <a:prstClr val="white"/>
-                </a:glow>
-              </a:effectLst>
-              <a:latin typeface="VNI-Aptima" pitchFamily="2" charset="0"/>
-              <a:ea typeface="Times New Roman" pitchFamily="18" charset="0"/>
-              <a:cs typeface="Times New Roman" pitchFamily="18" charset="0"/>
-            </a:endParaRPr>
           </a:p>
         </p:txBody>
       </p:sp>
@@ -3105,26 +4787,246 @@
           <a:p>
             <a:pPr algn="ctr"/>
             <a:r>
-              <a:rPr lang="en-US" sz="4000" b="1" spc="-150" smtClean="0">
-                <a:ln w="11430"/>
-                <a:solidFill>
-                  <a:srgbClr val="FFFF00"/>
-                </a:solidFill>
-                <a:effectLst>
-                  <a:glow rad="127000">
-                    <a:prstClr val="black"/>
-                  </a:glow>
-                  <a:outerShdw blurRad="50800" dist="39000" dir="5460000" algn="tl">
-                    <a:srgbClr val="000000">
-                      <a:alpha val="38000"/>
-                    </a:srgbClr>
-                  </a:outerShdw>
-                </a:effectLst>
-                <a:latin typeface="HP-Bank" panose="020B0603050302020204" pitchFamily="34" charset="0"/>
-              </a:rPr>
-              <a:t>con chæ mong toân cao danh ngaøi</a:t>
-            </a:r>
-            <a:endParaRPr lang="en-US" sz="4000" b="1" spc="-150" smtClean="0">
+              <a:rPr lang="en-US" sz="4000" b="1" spc="-150" dirty="0">
+                <a:ln w="11430"/>
+                <a:solidFill>
+                  <a:srgbClr val="FFFF00"/>
+                </a:solidFill>
+                <a:effectLst>
+                  <a:glow rad="127000">
+                    <a:prstClr val="black"/>
+                  </a:glow>
+                  <a:outerShdw blurRad="50800" dist="39000" dir="5460000" algn="tl">
+                    <a:srgbClr val="000000">
+                      <a:alpha val="38000"/>
+                    </a:srgbClr>
+                  </a:outerShdw>
+                </a:effectLst>
+                <a:latin typeface="VNI-Times" pitchFamily="2" charset="0"/>
+              </a:rPr>
+              <a:t>con </a:t>
+            </a:r>
+            <a:r>
+              <a:rPr lang="en-US" sz="4000" b="1" spc="-150" dirty="0" err="1">
+                <a:ln w="11430"/>
+                <a:solidFill>
+                  <a:srgbClr val="FFFF00"/>
+                </a:solidFill>
+                <a:effectLst>
+                  <a:glow rad="127000">
+                    <a:prstClr val="black"/>
+                  </a:glow>
+                  <a:outerShdw blurRad="50800" dist="39000" dir="5460000" algn="tl">
+                    <a:srgbClr val="000000">
+                      <a:alpha val="38000"/>
+                    </a:srgbClr>
+                  </a:outerShdw>
+                </a:effectLst>
+                <a:latin typeface="VNI-Times" pitchFamily="2" charset="0"/>
+              </a:rPr>
+              <a:t>chæ</a:t>
+            </a:r>
+            <a:r>
+              <a:rPr lang="en-US" sz="4000" b="1" spc="-150" dirty="0">
+                <a:ln w="11430"/>
+                <a:solidFill>
+                  <a:srgbClr val="FFFF00"/>
+                </a:solidFill>
+                <a:effectLst>
+                  <a:glow rad="127000">
+                    <a:prstClr val="black"/>
+                  </a:glow>
+                  <a:outerShdw blurRad="50800" dist="39000" dir="5460000" algn="tl">
+                    <a:srgbClr val="000000">
+                      <a:alpha val="38000"/>
+                    </a:srgbClr>
+                  </a:outerShdw>
+                </a:effectLst>
+                <a:latin typeface="VNI-Times" pitchFamily="2" charset="0"/>
+              </a:rPr>
+              <a:t> </a:t>
+            </a:r>
+            <a:r>
+              <a:rPr lang="en-US" sz="4000" b="1" spc="-150" dirty="0" err="1">
+                <a:ln w="11430"/>
+                <a:solidFill>
+                  <a:srgbClr val="FFFF00"/>
+                </a:solidFill>
+                <a:effectLst>
+                  <a:glow rad="127000">
+                    <a:prstClr val="black"/>
+                  </a:glow>
+                  <a:outerShdw blurRad="50800" dist="39000" dir="5460000" algn="tl">
+                    <a:srgbClr val="000000">
+                      <a:alpha val="38000"/>
+                    </a:srgbClr>
+                  </a:outerShdw>
+                </a:effectLst>
+                <a:latin typeface="VNI-Times" pitchFamily="2" charset="0"/>
+              </a:rPr>
+              <a:t>mong</a:t>
+            </a:r>
+            <a:r>
+              <a:rPr lang="en-US" sz="4000" b="1" spc="-150" dirty="0">
+                <a:ln w="11430"/>
+                <a:solidFill>
+                  <a:srgbClr val="FFFF00"/>
+                </a:solidFill>
+                <a:effectLst>
+                  <a:glow rad="127000">
+                    <a:prstClr val="black"/>
+                  </a:glow>
+                  <a:outerShdw blurRad="50800" dist="39000" dir="5460000" algn="tl">
+                    <a:srgbClr val="000000">
+                      <a:alpha val="38000"/>
+                    </a:srgbClr>
+                  </a:outerShdw>
+                </a:effectLst>
+                <a:latin typeface="VNI-Times" pitchFamily="2" charset="0"/>
+              </a:rPr>
+              <a:t> </a:t>
+            </a:r>
+            <a:r>
+              <a:rPr lang="en-US" sz="4000" b="1" spc="-150" dirty="0" err="1">
+                <a:ln w="11430"/>
+                <a:solidFill>
+                  <a:srgbClr val="FFFF00"/>
+                </a:solidFill>
+                <a:effectLst>
+                  <a:glow rad="127000">
+                    <a:prstClr val="black"/>
+                  </a:glow>
+                  <a:outerShdw blurRad="50800" dist="39000" dir="5460000" algn="tl">
+                    <a:srgbClr val="000000">
+                      <a:alpha val="38000"/>
+                    </a:srgbClr>
+                  </a:outerShdw>
+                </a:effectLst>
+                <a:latin typeface="VNI-Times" pitchFamily="2" charset="0"/>
+              </a:rPr>
+              <a:t>toân</a:t>
+            </a:r>
+            <a:r>
+              <a:rPr lang="en-US" sz="4000" b="1" spc="-150" dirty="0">
+                <a:ln w="11430"/>
+                <a:solidFill>
+                  <a:srgbClr val="FFFF00"/>
+                </a:solidFill>
+                <a:effectLst>
+                  <a:glow rad="127000">
+                    <a:prstClr val="black"/>
+                  </a:glow>
+                  <a:outerShdw blurRad="50800" dist="39000" dir="5460000" algn="tl">
+                    <a:srgbClr val="000000">
+                      <a:alpha val="38000"/>
+                    </a:srgbClr>
+                  </a:outerShdw>
+                </a:effectLst>
+                <a:latin typeface="VNI-Times" pitchFamily="2" charset="0"/>
+              </a:rPr>
+              <a:t> </a:t>
+            </a:r>
+            <a:r>
+              <a:rPr lang="en-US" sz="4000" b="1" spc="-150" dirty="0" err="1">
+                <a:ln w="11430"/>
+                <a:solidFill>
+                  <a:srgbClr val="FFFF00"/>
+                </a:solidFill>
+                <a:effectLst>
+                  <a:glow rad="127000">
+                    <a:prstClr val="black"/>
+                  </a:glow>
+                  <a:outerShdw blurRad="50800" dist="39000" dir="5460000" algn="tl">
+                    <a:srgbClr val="000000">
+                      <a:alpha val="38000"/>
+                    </a:srgbClr>
+                  </a:outerShdw>
+                </a:effectLst>
+                <a:latin typeface="VNI-Times" pitchFamily="2" charset="0"/>
+              </a:rPr>
+              <a:t>cao</a:t>
+            </a:r>
+            <a:r>
+              <a:rPr lang="en-US" sz="4000" b="1" spc="-150" dirty="0">
+                <a:ln w="11430"/>
+                <a:solidFill>
+                  <a:srgbClr val="FFFF00"/>
+                </a:solidFill>
+                <a:effectLst>
+                  <a:glow rad="127000">
+                    <a:prstClr val="black"/>
+                  </a:glow>
+                  <a:outerShdw blurRad="50800" dist="39000" dir="5460000" algn="tl">
+                    <a:srgbClr val="000000">
+                      <a:alpha val="38000"/>
+                    </a:srgbClr>
+                  </a:outerShdw>
+                </a:effectLst>
+                <a:latin typeface="VNI-Times" pitchFamily="2" charset="0"/>
+              </a:rPr>
+              <a:t> </a:t>
+            </a:r>
+            <a:r>
+              <a:rPr lang="en-US" sz="4000" b="1" spc="-150" dirty="0" err="1">
+                <a:ln w="11430"/>
+                <a:solidFill>
+                  <a:srgbClr val="FFFF00"/>
+                </a:solidFill>
+                <a:effectLst>
+                  <a:glow rad="127000">
+                    <a:prstClr val="black"/>
+                  </a:glow>
+                  <a:outerShdw blurRad="50800" dist="39000" dir="5460000" algn="tl">
+                    <a:srgbClr val="000000">
+                      <a:alpha val="38000"/>
+                    </a:srgbClr>
+                  </a:outerShdw>
+                </a:effectLst>
+                <a:latin typeface="VNI-Times" pitchFamily="2" charset="0"/>
+              </a:rPr>
+              <a:t>danh</a:t>
+            </a:r>
+            <a:r>
+              <a:rPr lang="en-US" sz="4000" b="1" spc="-150" dirty="0">
+                <a:ln w="11430"/>
+                <a:solidFill>
+                  <a:srgbClr val="FFFF00"/>
+                </a:solidFill>
+                <a:effectLst>
+                  <a:glow rad="127000">
+                    <a:prstClr val="black"/>
+                  </a:glow>
+                  <a:outerShdw blurRad="50800" dist="39000" dir="5460000" algn="tl">
+                    <a:srgbClr val="000000">
+                      <a:alpha val="38000"/>
+                    </a:srgbClr>
+                  </a:outerShdw>
+                </a:effectLst>
+                <a:latin typeface="VNI-Times" pitchFamily="2" charset="0"/>
+              </a:rPr>
+              <a:t> </a:t>
+            </a:r>
+            <a:r>
+              <a:rPr lang="en-US" sz="4000" b="1" spc="-150" dirty="0" err="1">
+                <a:ln w="11430"/>
+                <a:solidFill>
+                  <a:srgbClr val="FFFF00"/>
+                </a:solidFill>
+                <a:effectLst>
+                  <a:glow rad="127000">
+                    <a:prstClr val="black"/>
+                  </a:glow>
+                  <a:outerShdw blurRad="50800" dist="39000" dir="5460000" algn="tl">
+                    <a:srgbClr val="000000">
+                      <a:alpha val="38000"/>
+                    </a:srgbClr>
+                  </a:outerShdw>
+                </a:effectLst>
+                <a:latin typeface="VNI-Times" pitchFamily="2" charset="0"/>
+              </a:rPr>
+              <a:t>ngaøi</a:t>
+            </a:r>
+            <a:endParaRPr lang="en-US" sz="4000" b="1" spc="-150" dirty="0">
               <a:ln w="11430"/>
               <a:solidFill>
                 <a:srgbClr val="FFFF00"/>
@@ -3139,7 +5041,7 @@
                   </a:srgbClr>
                 </a:outerShdw>
               </a:effectLst>
-              <a:latin typeface="HP-Bank" panose="020B0603050302020204" pitchFamily="34" charset="0"/>
+              <a:latin typeface="VNI-Times" pitchFamily="2" charset="0"/>
             </a:endParaRPr>
           </a:p>
         </p:txBody>
@@ -3217,113 +5119,244 @@
               </a:spcAft>
             </a:pPr>
             <a:r>
-              <a:rPr lang="en-US" sz="6600" b="1">
-                <a:solidFill>
-                  <a:prstClr val="black"/>
-                </a:solidFill>
-                <a:effectLst>
-                  <a:glow rad="127000">
-                    <a:prstClr val="white"/>
-                  </a:glow>
-                </a:effectLst>
-                <a:latin typeface="VNI-Aptima" pitchFamily="2" charset="0"/>
-                <a:ea typeface="Times New Roman" pitchFamily="18" charset="0"/>
-                <a:cs typeface="Times New Roman" pitchFamily="18" charset="0"/>
-              </a:rPr>
-              <a:t>Nguyeän lôøi toân vinh con khieán </a:t>
-            </a:r>
-            <a:r>
-              <a:rPr lang="en-US" sz="6600" b="1">
-                <a:solidFill>
-                  <a:prstClr val="black"/>
-                </a:solidFill>
-                <a:effectLst>
-                  <a:glow rad="127000">
-                    <a:prstClr val="white"/>
-                  </a:glow>
-                </a:effectLst>
-                <a:latin typeface="VNI-Aptima" pitchFamily="2" charset="0"/>
-                <a:ea typeface="Times New Roman" pitchFamily="18" charset="0"/>
-                <a:cs typeface="Times New Roman" pitchFamily="18" charset="0"/>
-              </a:rPr>
-              <a:t>Cha </a:t>
-            </a:r>
-            <a:r>
-              <a:rPr lang="en-US" sz="6600" b="1" smtClean="0">
-                <a:solidFill>
-                  <a:prstClr val="black"/>
-                </a:solidFill>
-                <a:effectLst>
-                  <a:glow rad="127000">
-                    <a:prstClr val="white"/>
-                  </a:glow>
-                </a:effectLst>
-                <a:latin typeface="VNI-Aptima" pitchFamily="2" charset="0"/>
-                <a:ea typeface="Times New Roman" pitchFamily="18" charset="0"/>
-                <a:cs typeface="Times New Roman" pitchFamily="18" charset="0"/>
-              </a:rPr>
-              <a:t/>
+              <a:rPr lang="en-US" sz="6600" b="1" dirty="0" err="1">
+                <a:solidFill>
+                  <a:prstClr val="black"/>
+                </a:solidFill>
+                <a:effectLst>
+                  <a:glow rad="127000">
+                    <a:prstClr val="white"/>
+                  </a:glow>
+                </a:effectLst>
+                <a:latin typeface="VNI-Times" pitchFamily="2" charset="0"/>
+                <a:ea typeface="Times New Roman" pitchFamily="18" charset="0"/>
+                <a:cs typeface="Times New Roman" pitchFamily="18" charset="0"/>
+              </a:rPr>
+              <a:t>Nguyeän</a:t>
+            </a:r>
+            <a:r>
+              <a:rPr lang="en-US" sz="6600" b="1" dirty="0">
+                <a:solidFill>
+                  <a:prstClr val="black"/>
+                </a:solidFill>
+                <a:effectLst>
+                  <a:glow rad="127000">
+                    <a:prstClr val="white"/>
+                  </a:glow>
+                </a:effectLst>
+                <a:latin typeface="VNI-Times" pitchFamily="2" charset="0"/>
+                <a:ea typeface="Times New Roman" pitchFamily="18" charset="0"/>
+                <a:cs typeface="Times New Roman" pitchFamily="18" charset="0"/>
+              </a:rPr>
+              <a:t> </a:t>
+            </a:r>
+            <a:r>
+              <a:rPr lang="en-US" sz="6600" b="1" dirty="0" err="1">
+                <a:solidFill>
+                  <a:prstClr val="black"/>
+                </a:solidFill>
+                <a:effectLst>
+                  <a:glow rad="127000">
+                    <a:prstClr val="white"/>
+                  </a:glow>
+                </a:effectLst>
+                <a:latin typeface="VNI-Times" pitchFamily="2" charset="0"/>
+                <a:ea typeface="Times New Roman" pitchFamily="18" charset="0"/>
+                <a:cs typeface="Times New Roman" pitchFamily="18" charset="0"/>
+              </a:rPr>
+              <a:t>lôøi</a:t>
+            </a:r>
+            <a:r>
+              <a:rPr lang="en-US" sz="6600" b="1" dirty="0">
+                <a:solidFill>
+                  <a:prstClr val="black"/>
+                </a:solidFill>
+                <a:effectLst>
+                  <a:glow rad="127000">
+                    <a:prstClr val="white"/>
+                  </a:glow>
+                </a:effectLst>
+                <a:latin typeface="VNI-Times" pitchFamily="2" charset="0"/>
+                <a:ea typeface="Times New Roman" pitchFamily="18" charset="0"/>
+                <a:cs typeface="Times New Roman" pitchFamily="18" charset="0"/>
+              </a:rPr>
+              <a:t> </a:t>
+            </a:r>
+            <a:r>
+              <a:rPr lang="en-US" sz="6600" b="1" dirty="0" err="1">
+                <a:solidFill>
+                  <a:prstClr val="black"/>
+                </a:solidFill>
+                <a:effectLst>
+                  <a:glow rad="127000">
+                    <a:prstClr val="white"/>
+                  </a:glow>
+                </a:effectLst>
+                <a:latin typeface="VNI-Times" pitchFamily="2" charset="0"/>
+                <a:ea typeface="Times New Roman" pitchFamily="18" charset="0"/>
+                <a:cs typeface="Times New Roman" pitchFamily="18" charset="0"/>
+              </a:rPr>
+              <a:t>toân</a:t>
+            </a:r>
+            <a:r>
+              <a:rPr lang="en-US" sz="6600" b="1" dirty="0">
+                <a:solidFill>
+                  <a:prstClr val="black"/>
+                </a:solidFill>
+                <a:effectLst>
+                  <a:glow rad="127000">
+                    <a:prstClr val="white"/>
+                  </a:glow>
+                </a:effectLst>
+                <a:latin typeface="VNI-Times" pitchFamily="2" charset="0"/>
+                <a:ea typeface="Times New Roman" pitchFamily="18" charset="0"/>
+                <a:cs typeface="Times New Roman" pitchFamily="18" charset="0"/>
+              </a:rPr>
+              <a:t> </a:t>
+            </a:r>
+            <a:r>
+              <a:rPr lang="en-US" sz="6600" b="1" dirty="0" err="1">
+                <a:solidFill>
+                  <a:prstClr val="black"/>
+                </a:solidFill>
+                <a:effectLst>
+                  <a:glow rad="127000">
+                    <a:prstClr val="white"/>
+                  </a:glow>
+                </a:effectLst>
+                <a:latin typeface="VNI-Times" pitchFamily="2" charset="0"/>
+                <a:ea typeface="Times New Roman" pitchFamily="18" charset="0"/>
+                <a:cs typeface="Times New Roman" pitchFamily="18" charset="0"/>
+              </a:rPr>
+              <a:t>vinh</a:t>
+            </a:r>
+            <a:r>
+              <a:rPr lang="en-US" sz="6600" b="1" dirty="0">
+                <a:solidFill>
+                  <a:prstClr val="black"/>
+                </a:solidFill>
+                <a:effectLst>
+                  <a:glow rad="127000">
+                    <a:prstClr val="white"/>
+                  </a:glow>
+                </a:effectLst>
+                <a:latin typeface="VNI-Times" pitchFamily="2" charset="0"/>
+                <a:ea typeface="Times New Roman" pitchFamily="18" charset="0"/>
+                <a:cs typeface="Times New Roman" pitchFamily="18" charset="0"/>
+              </a:rPr>
+              <a:t> con </a:t>
+            </a:r>
+            <a:r>
+              <a:rPr lang="en-US" sz="6600" b="1" dirty="0" err="1">
+                <a:solidFill>
+                  <a:prstClr val="black"/>
+                </a:solidFill>
+                <a:effectLst>
+                  <a:glow rad="127000">
+                    <a:prstClr val="white"/>
+                  </a:glow>
+                </a:effectLst>
+                <a:latin typeface="VNI-Times" pitchFamily="2" charset="0"/>
+                <a:ea typeface="Times New Roman" pitchFamily="18" charset="0"/>
+                <a:cs typeface="Times New Roman" pitchFamily="18" charset="0"/>
+              </a:rPr>
+              <a:t>khieán</a:t>
+            </a:r>
+            <a:r>
+              <a:rPr lang="en-US" sz="6600" b="1" dirty="0">
+                <a:solidFill>
+                  <a:prstClr val="black"/>
+                </a:solidFill>
+                <a:effectLst>
+                  <a:glow rad="127000">
+                    <a:prstClr val="white"/>
+                  </a:glow>
+                </a:effectLst>
+                <a:latin typeface="VNI-Times" pitchFamily="2" charset="0"/>
+                <a:ea typeface="Times New Roman" pitchFamily="18" charset="0"/>
+                <a:cs typeface="Times New Roman" pitchFamily="18" charset="0"/>
+              </a:rPr>
+              <a:t> Cha </a:t>
             </a:r>
             <a:br>
-              <a:rPr lang="en-US" sz="6600" b="1" smtClean="0">
-                <a:solidFill>
-                  <a:prstClr val="black"/>
-                </a:solidFill>
-                <a:effectLst>
-                  <a:glow rad="127000">
-                    <a:prstClr val="white"/>
-                  </a:glow>
-                </a:effectLst>
-                <a:latin typeface="VNI-Aptima" pitchFamily="2" charset="0"/>
+              <a:rPr lang="en-US" sz="6600" b="1" dirty="0">
+                <a:solidFill>
+                  <a:prstClr val="black"/>
+                </a:solidFill>
+                <a:effectLst>
+                  <a:glow rad="127000">
+                    <a:prstClr val="white"/>
+                  </a:glow>
+                </a:effectLst>
+                <a:latin typeface="VNI-Times" pitchFamily="2" charset="0"/>
                 <a:ea typeface="Times New Roman" pitchFamily="18" charset="0"/>
                 <a:cs typeface="Times New Roman" pitchFamily="18" charset="0"/>
               </a:rPr>
             </a:br>
             <a:r>
-              <a:rPr lang="en-US" sz="6600" b="1" smtClean="0">
-                <a:solidFill>
-                  <a:prstClr val="black"/>
-                </a:solidFill>
-                <a:effectLst>
-                  <a:glow rad="127000">
-                    <a:prstClr val="white"/>
-                  </a:glow>
-                </a:effectLst>
-                <a:latin typeface="VNI-Aptima" pitchFamily="2" charset="0"/>
-                <a:ea typeface="Times New Roman" pitchFamily="18" charset="0"/>
-                <a:cs typeface="Times New Roman" pitchFamily="18" charset="0"/>
-              </a:rPr>
-              <a:t>ñeïp </a:t>
-            </a:r>
-            <a:r>
-              <a:rPr lang="en-US" sz="6600" b="1">
-                <a:solidFill>
-                  <a:prstClr val="black"/>
-                </a:solidFill>
-                <a:effectLst>
-                  <a:glow rad="127000">
-                    <a:prstClr val="white"/>
-                  </a:glow>
-                </a:effectLst>
-                <a:latin typeface="VNI-Aptima" pitchFamily="2" charset="0"/>
-                <a:ea typeface="Times New Roman" pitchFamily="18" charset="0"/>
-                <a:cs typeface="Times New Roman" pitchFamily="18" charset="0"/>
-              </a:rPr>
-              <a:t>loøng.</a:t>
-            </a:r>
-            <a:endParaRPr lang="en-US" sz="6600" b="1">
-              <a:solidFill>
-                <a:prstClr val="black"/>
-              </a:solidFill>
-              <a:effectLst>
-                <a:glow rad="127000">
-                  <a:prstClr val="white"/>
-                </a:glow>
-              </a:effectLst>
-              <a:latin typeface="VNI-Aptima" pitchFamily="2" charset="0"/>
-              <a:ea typeface="Times New Roman" pitchFamily="18" charset="0"/>
-              <a:cs typeface="Times New Roman" pitchFamily="18" charset="0"/>
-            </a:endParaRPr>
+              <a:rPr lang="en-US" sz="6600" b="1" dirty="0" err="1">
+                <a:solidFill>
+                  <a:prstClr val="black"/>
+                </a:solidFill>
+                <a:effectLst>
+                  <a:glow rad="127000">
+                    <a:prstClr val="white"/>
+                  </a:glow>
+                </a:effectLst>
+                <a:latin typeface="VNI-Times" pitchFamily="2" charset="0"/>
+                <a:ea typeface="Times New Roman" pitchFamily="18" charset="0"/>
+                <a:cs typeface="Times New Roman" pitchFamily="18" charset="0"/>
+              </a:rPr>
+              <a:t>ñeïp</a:t>
+            </a:r>
+            <a:r>
+              <a:rPr lang="en-US" sz="6600" b="1" dirty="0">
+                <a:solidFill>
+                  <a:prstClr val="black"/>
+                </a:solidFill>
+                <a:effectLst>
+                  <a:glow rad="127000">
+                    <a:prstClr val="white"/>
+                  </a:glow>
+                </a:effectLst>
+                <a:latin typeface="VNI-Times" pitchFamily="2" charset="0"/>
+                <a:ea typeface="Times New Roman" pitchFamily="18" charset="0"/>
+                <a:cs typeface="Times New Roman" pitchFamily="18" charset="0"/>
+              </a:rPr>
+              <a:t> </a:t>
+            </a:r>
+            <a:r>
+              <a:rPr lang="en-US" sz="6600" b="1" dirty="0" err="1">
+                <a:solidFill>
+                  <a:prstClr val="black"/>
+                </a:solidFill>
+                <a:effectLst>
+                  <a:glow rad="127000">
+                    <a:prstClr val="white"/>
+                  </a:glow>
+                </a:effectLst>
+                <a:latin typeface="VNI-Times" pitchFamily="2" charset="0"/>
+                <a:ea typeface="Times New Roman" pitchFamily="18" charset="0"/>
+                <a:cs typeface="Times New Roman" pitchFamily="18" charset="0"/>
+              </a:rPr>
+              <a:t>loøng</a:t>
+            </a:r>
+            <a:r>
+              <a:rPr lang="en-US" sz="6600" b="1" dirty="0">
+                <a:solidFill>
+                  <a:prstClr val="black"/>
+                </a:solidFill>
+                <a:effectLst>
+                  <a:glow rad="127000">
+                    <a:prstClr val="white"/>
+                  </a:glow>
+                </a:effectLst>
+                <a:latin typeface="VNI-Times" pitchFamily="2" charset="0"/>
+                <a:ea typeface="Times New Roman" pitchFamily="18" charset="0"/>
+                <a:cs typeface="Times New Roman" pitchFamily="18" charset="0"/>
+              </a:rPr>
+              <a:t>.</a:t>
+            </a:r>
           </a:p>
         </p:txBody>
       </p:sp>
@@ -3351,26 +5384,246 @@
           <a:p>
             <a:pPr algn="ctr"/>
             <a:r>
-              <a:rPr lang="en-US" sz="4000" b="1" spc="-150" smtClean="0">
-                <a:ln w="11430"/>
-                <a:solidFill>
-                  <a:srgbClr val="FFFF00"/>
-                </a:solidFill>
-                <a:effectLst>
-                  <a:glow rad="127000">
-                    <a:prstClr val="black"/>
-                  </a:glow>
-                  <a:outerShdw blurRad="50800" dist="39000" dir="5460000" algn="tl">
-                    <a:srgbClr val="000000">
-                      <a:alpha val="38000"/>
-                    </a:srgbClr>
-                  </a:outerShdw>
-                </a:effectLst>
-                <a:latin typeface="HP-Bank" panose="020B0603050302020204" pitchFamily="34" charset="0"/>
-              </a:rPr>
-              <a:t>con chæ mong toân cao danh ngaøi</a:t>
-            </a:r>
-            <a:endParaRPr lang="en-US" sz="4000" b="1" spc="-150" smtClean="0">
+              <a:rPr lang="en-US" sz="4000" b="1" spc="-150" dirty="0">
+                <a:ln w="11430"/>
+                <a:solidFill>
+                  <a:srgbClr val="FFFF00"/>
+                </a:solidFill>
+                <a:effectLst>
+                  <a:glow rad="127000">
+                    <a:prstClr val="black"/>
+                  </a:glow>
+                  <a:outerShdw blurRad="50800" dist="39000" dir="5460000" algn="tl">
+                    <a:srgbClr val="000000">
+                      <a:alpha val="38000"/>
+                    </a:srgbClr>
+                  </a:outerShdw>
+                </a:effectLst>
+                <a:latin typeface="VNI-Times" pitchFamily="2" charset="0"/>
+              </a:rPr>
+              <a:t>con </a:t>
+            </a:r>
+            <a:r>
+              <a:rPr lang="en-US" sz="4000" b="1" spc="-150" dirty="0" err="1">
+                <a:ln w="11430"/>
+                <a:solidFill>
+                  <a:srgbClr val="FFFF00"/>
+                </a:solidFill>
+                <a:effectLst>
+                  <a:glow rad="127000">
+                    <a:prstClr val="black"/>
+                  </a:glow>
+                  <a:outerShdw blurRad="50800" dist="39000" dir="5460000" algn="tl">
+                    <a:srgbClr val="000000">
+                      <a:alpha val="38000"/>
+                    </a:srgbClr>
+                  </a:outerShdw>
+                </a:effectLst>
+                <a:latin typeface="VNI-Times" pitchFamily="2" charset="0"/>
+              </a:rPr>
+              <a:t>chæ</a:t>
+            </a:r>
+            <a:r>
+              <a:rPr lang="en-US" sz="4000" b="1" spc="-150" dirty="0">
+                <a:ln w="11430"/>
+                <a:solidFill>
+                  <a:srgbClr val="FFFF00"/>
+                </a:solidFill>
+                <a:effectLst>
+                  <a:glow rad="127000">
+                    <a:prstClr val="black"/>
+                  </a:glow>
+                  <a:outerShdw blurRad="50800" dist="39000" dir="5460000" algn="tl">
+                    <a:srgbClr val="000000">
+                      <a:alpha val="38000"/>
+                    </a:srgbClr>
+                  </a:outerShdw>
+                </a:effectLst>
+                <a:latin typeface="VNI-Times" pitchFamily="2" charset="0"/>
+              </a:rPr>
+              <a:t> </a:t>
+            </a:r>
+            <a:r>
+              <a:rPr lang="en-US" sz="4000" b="1" spc="-150" dirty="0" err="1">
+                <a:ln w="11430"/>
+                <a:solidFill>
+                  <a:srgbClr val="FFFF00"/>
+                </a:solidFill>
+                <a:effectLst>
+                  <a:glow rad="127000">
+                    <a:prstClr val="black"/>
+                  </a:glow>
+                  <a:outerShdw blurRad="50800" dist="39000" dir="5460000" algn="tl">
+                    <a:srgbClr val="000000">
+                      <a:alpha val="38000"/>
+                    </a:srgbClr>
+                  </a:outerShdw>
+                </a:effectLst>
+                <a:latin typeface="VNI-Times" pitchFamily="2" charset="0"/>
+              </a:rPr>
+              <a:t>mong</a:t>
+            </a:r>
+            <a:r>
+              <a:rPr lang="en-US" sz="4000" b="1" spc="-150" dirty="0">
+                <a:ln w="11430"/>
+                <a:solidFill>
+                  <a:srgbClr val="FFFF00"/>
+                </a:solidFill>
+                <a:effectLst>
+                  <a:glow rad="127000">
+                    <a:prstClr val="black"/>
+                  </a:glow>
+                  <a:outerShdw blurRad="50800" dist="39000" dir="5460000" algn="tl">
+                    <a:srgbClr val="000000">
+                      <a:alpha val="38000"/>
+                    </a:srgbClr>
+                  </a:outerShdw>
+                </a:effectLst>
+                <a:latin typeface="VNI-Times" pitchFamily="2" charset="0"/>
+              </a:rPr>
+              <a:t> </a:t>
+            </a:r>
+            <a:r>
+              <a:rPr lang="en-US" sz="4000" b="1" spc="-150" dirty="0" err="1">
+                <a:ln w="11430"/>
+                <a:solidFill>
+                  <a:srgbClr val="FFFF00"/>
+                </a:solidFill>
+                <a:effectLst>
+                  <a:glow rad="127000">
+                    <a:prstClr val="black"/>
+                  </a:glow>
+                  <a:outerShdw blurRad="50800" dist="39000" dir="5460000" algn="tl">
+                    <a:srgbClr val="000000">
+                      <a:alpha val="38000"/>
+                    </a:srgbClr>
+                  </a:outerShdw>
+                </a:effectLst>
+                <a:latin typeface="VNI-Times" pitchFamily="2" charset="0"/>
+              </a:rPr>
+              <a:t>toân</a:t>
+            </a:r>
+            <a:r>
+              <a:rPr lang="en-US" sz="4000" b="1" spc="-150" dirty="0">
+                <a:ln w="11430"/>
+                <a:solidFill>
+                  <a:srgbClr val="FFFF00"/>
+                </a:solidFill>
+                <a:effectLst>
+                  <a:glow rad="127000">
+                    <a:prstClr val="black"/>
+                  </a:glow>
+                  <a:outerShdw blurRad="50800" dist="39000" dir="5460000" algn="tl">
+                    <a:srgbClr val="000000">
+                      <a:alpha val="38000"/>
+                    </a:srgbClr>
+                  </a:outerShdw>
+                </a:effectLst>
+                <a:latin typeface="VNI-Times" pitchFamily="2" charset="0"/>
+              </a:rPr>
+              <a:t> </a:t>
+            </a:r>
+            <a:r>
+              <a:rPr lang="en-US" sz="4000" b="1" spc="-150" dirty="0" err="1">
+                <a:ln w="11430"/>
+                <a:solidFill>
+                  <a:srgbClr val="FFFF00"/>
+                </a:solidFill>
+                <a:effectLst>
+                  <a:glow rad="127000">
+                    <a:prstClr val="black"/>
+                  </a:glow>
+                  <a:outerShdw blurRad="50800" dist="39000" dir="5460000" algn="tl">
+                    <a:srgbClr val="000000">
+                      <a:alpha val="38000"/>
+                    </a:srgbClr>
+                  </a:outerShdw>
+                </a:effectLst>
+                <a:latin typeface="VNI-Times" pitchFamily="2" charset="0"/>
+              </a:rPr>
+              <a:t>cao</a:t>
+            </a:r>
+            <a:r>
+              <a:rPr lang="en-US" sz="4000" b="1" spc="-150" dirty="0">
+                <a:ln w="11430"/>
+                <a:solidFill>
+                  <a:srgbClr val="FFFF00"/>
+                </a:solidFill>
+                <a:effectLst>
+                  <a:glow rad="127000">
+                    <a:prstClr val="black"/>
+                  </a:glow>
+                  <a:outerShdw blurRad="50800" dist="39000" dir="5460000" algn="tl">
+                    <a:srgbClr val="000000">
+                      <a:alpha val="38000"/>
+                    </a:srgbClr>
+                  </a:outerShdw>
+                </a:effectLst>
+                <a:latin typeface="VNI-Times" pitchFamily="2" charset="0"/>
+              </a:rPr>
+              <a:t> </a:t>
+            </a:r>
+            <a:r>
+              <a:rPr lang="en-US" sz="4000" b="1" spc="-150" dirty="0" err="1">
+                <a:ln w="11430"/>
+                <a:solidFill>
+                  <a:srgbClr val="FFFF00"/>
+                </a:solidFill>
+                <a:effectLst>
+                  <a:glow rad="127000">
+                    <a:prstClr val="black"/>
+                  </a:glow>
+                  <a:outerShdw blurRad="50800" dist="39000" dir="5460000" algn="tl">
+                    <a:srgbClr val="000000">
+                      <a:alpha val="38000"/>
+                    </a:srgbClr>
+                  </a:outerShdw>
+                </a:effectLst>
+                <a:latin typeface="VNI-Times" pitchFamily="2" charset="0"/>
+              </a:rPr>
+              <a:t>danh</a:t>
+            </a:r>
+            <a:r>
+              <a:rPr lang="en-US" sz="4000" b="1" spc="-150" dirty="0">
+                <a:ln w="11430"/>
+                <a:solidFill>
+                  <a:srgbClr val="FFFF00"/>
+                </a:solidFill>
+                <a:effectLst>
+                  <a:glow rad="127000">
+                    <a:prstClr val="black"/>
+                  </a:glow>
+                  <a:outerShdw blurRad="50800" dist="39000" dir="5460000" algn="tl">
+                    <a:srgbClr val="000000">
+                      <a:alpha val="38000"/>
+                    </a:srgbClr>
+                  </a:outerShdw>
+                </a:effectLst>
+                <a:latin typeface="VNI-Times" pitchFamily="2" charset="0"/>
+              </a:rPr>
+              <a:t> </a:t>
+            </a:r>
+            <a:r>
+              <a:rPr lang="en-US" sz="4000" b="1" spc="-150" dirty="0" err="1">
+                <a:ln w="11430"/>
+                <a:solidFill>
+                  <a:srgbClr val="FFFF00"/>
+                </a:solidFill>
+                <a:effectLst>
+                  <a:glow rad="127000">
+                    <a:prstClr val="black"/>
+                  </a:glow>
+                  <a:outerShdw blurRad="50800" dist="39000" dir="5460000" algn="tl">
+                    <a:srgbClr val="000000">
+                      <a:alpha val="38000"/>
+                    </a:srgbClr>
+                  </a:outerShdw>
+                </a:effectLst>
+                <a:latin typeface="VNI-Times" pitchFamily="2" charset="0"/>
+              </a:rPr>
+              <a:t>ngaøi</a:t>
+            </a:r>
+            <a:endParaRPr lang="en-US" sz="4000" b="1" spc="-150" dirty="0">
               <a:ln w="11430"/>
               <a:solidFill>
                 <a:srgbClr val="FFFF00"/>
@@ -3385,7 +5638,7 @@
                   </a:srgbClr>
                 </a:outerShdw>
               </a:effectLst>
-              <a:latin typeface="HP-Bank" panose="020B0603050302020204" pitchFamily="34" charset="0"/>
+              <a:latin typeface="VNI-Times" pitchFamily="2" charset="0"/>
             </a:endParaRPr>
           </a:p>
         </p:txBody>
